--- a/notes/Bicriteria Paths Problem.pptx
+++ b/notes/Bicriteria Paths Problem.pptx
@@ -302,7 +302,7 @@
             <a:pPr rtl="0"/>
             <a:fld id="{EB190EFE-CCCB-4DCD-B1CF-8C3CB119D6FE}" type="datetime1">
               <a:rPr lang="it-IT" smtClean="0"/>
-              <a:t>05/06/2019</a:t>
+              <a:t>07/06/2019</a:t>
             </a:fld>
             <a:endParaRPr lang="it-IT" dirty="0"/>
           </a:p>
@@ -382,7 +382,7 @@
             <a:pPr rtl="0"/>
             <a:fld id="{B4E85F6F-0FAD-4AD4-850C-7E4CD14D7D70}" type="slidenum">
               <a:rPr lang="it-IT" smtClean="0"/>
-              <a:t>‹N›</a:t>
+              <a:t>‹#›</a:t>
             </a:fld>
             <a:endParaRPr lang="it-IT" dirty="0"/>
           </a:p>
@@ -483,7 +483,7 @@
             <a:fld id="{526AC070-77AE-44FC-B0C8-108B581F9765}" type="datetime1">
               <a:rPr lang="it-IT" noProof="0" smtClean="0"/>
               <a:pPr/>
-              <a:t>05/06/2019</a:t>
+              <a:t>07/06/2019</a:t>
             </a:fld>
             <a:endParaRPr lang="it-IT" noProof="0" dirty="0"/>
           </a:p>
@@ -644,7 +644,7 @@
             <a:pPr rtl="0"/>
             <a:fld id="{BE60DC36-8EFA-4378-9855-E019C55AC472}" type="slidenum">
               <a:rPr lang="it-IT" noProof="0" smtClean="0"/>
-              <a:t>‹N›</a:t>
+              <a:t>‹#›</a:t>
             </a:fld>
             <a:endParaRPr lang="it-IT" noProof="0" dirty="0"/>
           </a:p>
@@ -991,7 +991,7 @@
             <a:pPr rtl="0"/>
             <a:fld id="{73953276-A596-464E-8131-16FDC4642D35}" type="datetime1">
               <a:rPr lang="it-IT" noProof="0" smtClean="0"/>
-              <a:t>05/06/2019</a:t>
+              <a:t>07/06/2019</a:t>
             </a:fld>
             <a:endParaRPr lang="it-IT" noProof="0" dirty="0"/>
           </a:p>
@@ -1047,7 +1047,7 @@
             <a:pPr rtl="0"/>
             <a:fld id="{06FEDF93-2BFD-41CA-ABC7-B039102F3792}" type="slidenum">
               <a:rPr lang="it-IT" noProof="0" smtClean="0"/>
-              <a:t>‹N›</a:t>
+              <a:t>‹#›</a:t>
             </a:fld>
             <a:endParaRPr lang="it-IT" noProof="0" dirty="0"/>
           </a:p>
@@ -1195,7 +1195,7 @@
             <a:pPr rtl="0"/>
             <a:fld id="{59F66E3F-D06F-47DA-A95C-C846DE23F8C0}" type="datetime1">
               <a:rPr lang="it-IT" noProof="0" smtClean="0"/>
-              <a:t>05/06/2019</a:t>
+              <a:t>07/06/2019</a:t>
             </a:fld>
             <a:endParaRPr lang="it-IT" noProof="0" dirty="0"/>
           </a:p>
@@ -1251,7 +1251,7 @@
             <a:pPr rtl="0"/>
             <a:fld id="{06FEDF93-2BFD-41CA-ABC7-B039102F3792}" type="slidenum">
               <a:rPr lang="it-IT" noProof="0" smtClean="0"/>
-              <a:t>‹N›</a:t>
+              <a:t>‹#›</a:t>
             </a:fld>
             <a:endParaRPr lang="it-IT" noProof="0" dirty="0"/>
           </a:p>
@@ -1409,7 +1409,7 @@
             <a:pPr rtl="0"/>
             <a:fld id="{46FE6513-E3C7-4048-AC2F-41B0D1F6D895}" type="datetime1">
               <a:rPr lang="it-IT" noProof="0" smtClean="0"/>
-              <a:t>05/06/2019</a:t>
+              <a:t>07/06/2019</a:t>
             </a:fld>
             <a:endParaRPr lang="it-IT" noProof="0" dirty="0"/>
           </a:p>
@@ -1465,7 +1465,7 @@
             <a:pPr rtl="0"/>
             <a:fld id="{06FEDF93-2BFD-41CA-ABC7-B039102F3792}" type="slidenum">
               <a:rPr lang="it-IT" noProof="0" smtClean="0"/>
-              <a:t>‹N›</a:t>
+              <a:t>‹#›</a:t>
             </a:fld>
             <a:endParaRPr lang="it-IT" noProof="0" dirty="0"/>
           </a:p>
@@ -1613,7 +1613,7 @@
             <a:pPr rtl="0"/>
             <a:fld id="{4CA1E7DF-6F8F-47CE-8C70-53A994FBF180}" type="datetime1">
               <a:rPr lang="it-IT" noProof="0" smtClean="0"/>
-              <a:t>05/06/2019</a:t>
+              <a:t>07/06/2019</a:t>
             </a:fld>
             <a:endParaRPr lang="it-IT" noProof="0" dirty="0"/>
           </a:p>
@@ -1669,7 +1669,7 @@
             <a:pPr rtl="0"/>
             <a:fld id="{06FEDF93-2BFD-41CA-ABC7-B039102F3792}" type="slidenum">
               <a:rPr lang="it-IT" noProof="0" smtClean="0"/>
-              <a:t>‹N›</a:t>
+              <a:t>‹#›</a:t>
             </a:fld>
             <a:endParaRPr lang="it-IT" noProof="0" dirty="0"/>
           </a:p>
@@ -1893,7 +1893,7 @@
             <a:pPr rtl="0"/>
             <a:fld id="{2CFB8710-ABAB-4285-AF31-02779743E1F4}" type="datetime1">
               <a:rPr lang="it-IT" noProof="0" smtClean="0"/>
-              <a:t>05/06/2019</a:t>
+              <a:t>07/06/2019</a:t>
             </a:fld>
             <a:endParaRPr lang="it-IT" noProof="0" dirty="0"/>
           </a:p>
@@ -1949,7 +1949,7 @@
             <a:pPr rtl="0"/>
             <a:fld id="{06FEDF93-2BFD-41CA-ABC7-B039102F3792}" type="slidenum">
               <a:rPr lang="it-IT" noProof="0" smtClean="0"/>
-              <a:t>‹N›</a:t>
+              <a:t>‹#›</a:t>
             </a:fld>
             <a:endParaRPr lang="it-IT" noProof="0" dirty="0"/>
           </a:p>
@@ -2165,7 +2165,7 @@
             <a:pPr rtl="0"/>
             <a:fld id="{FE1FD3F1-0F70-4F3C-841E-3B4B1A9982AD}" type="datetime1">
               <a:rPr lang="it-IT" noProof="0" smtClean="0"/>
-              <a:t>05/06/2019</a:t>
+              <a:t>07/06/2019</a:t>
             </a:fld>
             <a:endParaRPr lang="it-IT" noProof="0" dirty="0"/>
           </a:p>
@@ -2221,7 +2221,7 @@
             <a:pPr rtl="0"/>
             <a:fld id="{06FEDF93-2BFD-41CA-ABC7-B039102F3792}" type="slidenum">
               <a:rPr lang="it-IT" noProof="0" smtClean="0"/>
-              <a:t>‹N›</a:t>
+              <a:t>‹#›</a:t>
             </a:fld>
             <a:endParaRPr lang="it-IT" noProof="0" dirty="0"/>
           </a:p>
@@ -2584,7 +2584,7 @@
             <a:pPr rtl="0"/>
             <a:fld id="{3195CD94-E959-4436-A899-6BFB5CD81E9E}" type="datetime1">
               <a:rPr lang="it-IT" noProof="0" smtClean="0"/>
-              <a:t>05/06/2019</a:t>
+              <a:t>07/06/2019</a:t>
             </a:fld>
             <a:endParaRPr lang="it-IT" noProof="0" dirty="0"/>
           </a:p>
@@ -2640,7 +2640,7 @@
             <a:pPr rtl="0"/>
             <a:fld id="{06FEDF93-2BFD-41CA-ABC7-B039102F3792}" type="slidenum">
               <a:rPr lang="it-IT" noProof="0" smtClean="0"/>
-              <a:t>‹N›</a:t>
+              <a:t>‹#›</a:t>
             </a:fld>
             <a:endParaRPr lang="it-IT" noProof="0" dirty="0"/>
           </a:p>
@@ -2730,7 +2730,7 @@
             <a:pPr rtl="0"/>
             <a:fld id="{327B0C7F-749B-466A-A38A-03B1C8A2F06C}" type="datetime1">
               <a:rPr lang="it-IT" noProof="0" smtClean="0"/>
-              <a:t>05/06/2019</a:t>
+              <a:t>07/06/2019</a:t>
             </a:fld>
             <a:endParaRPr lang="it-IT" noProof="0" dirty="0"/>
           </a:p>
@@ -2786,7 +2786,7 @@
             <a:pPr rtl="0"/>
             <a:fld id="{06FEDF93-2BFD-41CA-ABC7-B039102F3792}" type="slidenum">
               <a:rPr lang="it-IT" noProof="0" smtClean="0"/>
-              <a:t>‹N›</a:t>
+              <a:t>‹#›</a:t>
             </a:fld>
             <a:endParaRPr lang="it-IT" noProof="0" dirty="0"/>
           </a:p>
@@ -2846,7 +2846,7 @@
             <a:pPr rtl="0"/>
             <a:fld id="{DEC309BE-2E90-45F2-A626-98CE1308C9C4}" type="datetime1">
               <a:rPr lang="it-IT" noProof="0" smtClean="0"/>
-              <a:t>05/06/2019</a:t>
+              <a:t>07/06/2019</a:t>
             </a:fld>
             <a:endParaRPr lang="it-IT" noProof="0" dirty="0"/>
           </a:p>
@@ -2902,7 +2902,7 @@
             <a:pPr rtl="0"/>
             <a:fld id="{06FEDF93-2BFD-41CA-ABC7-B039102F3792}" type="slidenum">
               <a:rPr lang="it-IT" noProof="0" smtClean="0"/>
-              <a:t>‹N›</a:t>
+              <a:t>‹#›</a:t>
             </a:fld>
             <a:endParaRPr lang="it-IT" noProof="0" dirty="0"/>
           </a:p>
@@ -3163,7 +3163,7 @@
             <a:pPr rtl="0"/>
             <a:fld id="{D7D791A9-9A19-4C7D-9EDF-F6B9F670B73C}" type="datetime1">
               <a:rPr lang="it-IT" noProof="0" smtClean="0"/>
-              <a:t>05/06/2019</a:t>
+              <a:t>07/06/2019</a:t>
             </a:fld>
             <a:endParaRPr lang="it-IT" noProof="0" dirty="0"/>
           </a:p>
@@ -3219,7 +3219,7 @@
             <a:pPr rtl="0"/>
             <a:fld id="{06FEDF93-2BFD-41CA-ABC7-B039102F3792}" type="slidenum">
               <a:rPr lang="it-IT" noProof="0" smtClean="0"/>
-              <a:t>‹N›</a:t>
+              <a:t>‹#›</a:t>
             </a:fld>
             <a:endParaRPr lang="it-IT" noProof="0" dirty="0"/>
           </a:p>
@@ -3461,7 +3461,7 @@
             <a:pPr rtl="0"/>
             <a:fld id="{1C87147A-BE07-4D89-850F-642EAF1AAEA9}" type="datetime1">
               <a:rPr lang="it-IT" noProof="0" smtClean="0"/>
-              <a:t>05/06/2019</a:t>
+              <a:t>07/06/2019</a:t>
             </a:fld>
             <a:endParaRPr lang="it-IT" noProof="0" dirty="0"/>
           </a:p>
@@ -3517,7 +3517,7 @@
             <a:pPr rtl="0"/>
             <a:fld id="{06FEDF93-2BFD-41CA-ABC7-B039102F3792}" type="slidenum">
               <a:rPr lang="it-IT" noProof="0" smtClean="0"/>
-              <a:t>‹N›</a:t>
+              <a:t>‹#›</a:t>
             </a:fld>
             <a:endParaRPr lang="it-IT" noProof="0" dirty="0"/>
           </a:p>
@@ -3706,7 +3706,7 @@
             <a:pPr rtl="0"/>
             <a:fld id="{750AD8DE-E201-43F1-B9CB-48547493CA6A}" type="datetime1">
               <a:rPr lang="it-IT" noProof="0" smtClean="0"/>
-              <a:t>05/06/2019</a:t>
+              <a:t>07/06/2019</a:t>
             </a:fld>
             <a:endParaRPr lang="it-IT" noProof="0" dirty="0"/>
           </a:p>
@@ -3798,7 +3798,7 @@
             <a:pPr rtl="0"/>
             <a:fld id="{06FEDF93-2BFD-41CA-ABC7-B039102F3792}" type="slidenum">
               <a:rPr lang="it-IT" noProof="0" smtClean="0"/>
-              <a:t>‹N›</a:t>
+              <a:t>‹#›</a:t>
             </a:fld>
             <a:endParaRPr lang="it-IT" noProof="0" dirty="0"/>
           </a:p>
@@ -6770,8 +6770,8 @@
           </a:p>
         </p:txBody>
       </p:sp>
-      <mc:AlternateContent xmlns:mc="http://schemas.openxmlformats.org/markup-compatibility/2006">
-        <mc:Choice xmlns:a14="http://schemas.microsoft.com/office/drawing/2010/main" Requires="a14">
+      <mc:AlternateContent xmlns:mc="http://schemas.openxmlformats.org/markup-compatibility/2006" xmlns:a14="http://schemas.microsoft.com/office/drawing/2010/main">
+        <mc:Choice Requires="a14">
           <p:sp>
             <p:nvSpPr>
               <p:cNvPr id="3" name="CasellaDiTesto 2">
@@ -6800,6 +6800,7 @@
               </a:bodyPr>
               <a:lstStyle/>
               <a:p>
+                <a:pPr/>
                 <a14:m>
                   <m:oMathPara xmlns:m="http://schemas.openxmlformats.org/officeDocument/2006/math">
                     <m:oMathParaPr>
@@ -7011,7 +7012,7 @@
             </p:txBody>
           </p:sp>
         </mc:Choice>
-        <mc:Fallback>
+        <mc:Fallback xmlns="">
           <p:sp>
             <p:nvSpPr>
               <p:cNvPr id="3" name="CasellaDiTesto 2">
@@ -8727,8 +8728,8 @@
           </a:p>
         </p:txBody>
       </p:sp>
-      <mc:AlternateContent xmlns:mc="http://schemas.openxmlformats.org/markup-compatibility/2006" xmlns:a14="http://schemas.microsoft.com/office/drawing/2010/main">
-        <mc:Choice Requires="a14">
+      <mc:AlternateContent xmlns:mc="http://schemas.openxmlformats.org/markup-compatibility/2006">
+        <mc:Choice xmlns:a14="http://schemas.microsoft.com/office/drawing/2010/main" Requires="a14">
           <p:sp>
             <p:nvSpPr>
               <p:cNvPr id="3" name="Segnaposto contenuto 2">
@@ -8747,8 +8748,8 @@
             </p:nvSpPr>
             <p:spPr>
               <a:xfrm>
-                <a:off x="4702588" y="1412488"/>
-                <a:ext cx="3427283" cy="4363844"/>
+                <a:off x="4702588" y="89771"/>
+                <a:ext cx="3427283" cy="4823919"/>
               </a:xfrm>
             </p:spPr>
             <p:txBody>
@@ -9124,7 +9125,7 @@
             </p:txBody>
           </p:sp>
         </mc:Choice>
-        <mc:Fallback xmlns="">
+        <mc:Fallback>
           <p:sp>
             <p:nvSpPr>
               <p:cNvPr id="3" name="Segnaposto contenuto 2">
@@ -9143,13 +9144,13 @@
             </p:nvSpPr>
             <p:spPr>
               <a:xfrm>
-                <a:off x="4702588" y="1412488"/>
-                <a:ext cx="3427283" cy="4363844"/>
+                <a:off x="4702588" y="89771"/>
+                <a:ext cx="3427283" cy="4823919"/>
               </a:xfrm>
               <a:blipFill>
                 <a:blip r:embed="rId2"/>
                 <a:stretch>
-                  <a:fillRect l="-1776" t="-1397" r="-888"/>
+                  <a:fillRect l="-1776" t="-1264" r="-888"/>
                 </a:stretch>
               </a:blipFill>
             </p:spPr>
@@ -9158,7 +9159,7 @@
               <a:lstStyle/>
               <a:p>
                 <a:r>
-                  <a:rPr lang="en-GB">
+                  <a:rPr lang="it-IT">
                     <a:noFill/>
                   </a:rPr>
                   <a:t> </a:t>
@@ -9241,12 +9242,12 @@
         </p:nvSpPr>
         <p:spPr>
           <a:xfrm>
-            <a:off x="8451604" y="1412489"/>
+            <a:off x="8451604" y="147282"/>
             <a:ext cx="3197701" cy="2902451"/>
           </a:xfrm>
         </p:spPr>
         <p:txBody>
-          <a:bodyPr>
+          <a:bodyPr vert="horz" lIns="91440" tIns="45720" rIns="91440" bIns="45720" rtlCol="0" anchor="t">
             <a:normAutofit/>
           </a:bodyPr>
           <a:lstStyle/>
@@ -9255,8 +9256,20 @@
               <a:buNone/>
             </a:pPr>
             <a:r>
+              <a:rPr lang="it-IT" sz="2000" b="1" i="1" dirty="0" err="1"/>
+              <a:t>Convex</a:t>
+            </a:r>
+            <a:r>
               <a:rPr lang="it-IT" sz="2000" b="1" i="1" dirty="0"/>
-              <a:t>Pareto front:</a:t>
+              <a:t> </a:t>
+            </a:r>
+            <a:r>
+              <a:rPr lang="it-IT" sz="2000" b="1" i="1" dirty="0" err="1"/>
+              <a:t>hull</a:t>
+            </a:r>
+            <a:r>
+              <a:rPr lang="it-IT" sz="2000" b="1" i="1" dirty="0"/>
+              <a:t>:</a:t>
             </a:r>
           </a:p>
           <a:p>
@@ -9271,16 +9284,43 @@
             </a:pPr>
             <a:r>
               <a:rPr lang="en-GB" sz="2000" dirty="0"/>
-              <a:t>For a given set of feasible solutions there is a subset of </a:t>
+              <a:t>The </a:t>
             </a:r>
             <a:r>
               <a:rPr lang="en-GB" sz="2000" b="1" dirty="0"/>
-              <a:t>optimal solutions</a:t>
+              <a:t>convex hull</a:t>
+            </a:r>
+            <a:r>
+              <a:rPr lang="en-GB" sz="2000" dirty="0"/>
+              <a:t> of a set </a:t>
+            </a:r>
+            <a:r>
+              <a:rPr lang="en-GB" sz="2000" i="1" dirty="0"/>
+              <a:t>X </a:t>
+            </a:r>
+            <a:r>
+              <a:rPr lang="en-GB" sz="2000" dirty="0"/>
+              <a:t> of feasible solution is the smallest </a:t>
+            </a:r>
+            <a:r>
+              <a:rPr lang="en-GB" sz="2000" b="1" dirty="0"/>
+              <a:t>convex set</a:t>
+            </a:r>
+            <a:r>
+              <a:rPr lang="en-GB" sz="2000" dirty="0"/>
+              <a:t> that contains </a:t>
+            </a:r>
+            <a:r>
+              <a:rPr lang="en-GB" sz="2000" i="1" dirty="0"/>
+              <a:t>X</a:t>
             </a:r>
             <a:r>
               <a:rPr lang="en-GB" sz="2000" dirty="0"/>
               <a:t>.</a:t>
             </a:r>
+            <a:endParaRPr lang="en-GB" sz="2000" b="1" dirty="0">
+              <a:cs typeface="Segoe UI Light"/>
+            </a:endParaRPr>
           </a:p>
         </p:txBody>
       </p:sp>
@@ -9298,7 +9338,7 @@
         </p:nvSpPr>
         <p:spPr>
           <a:xfrm>
-            <a:off x="9812459" y="3153772"/>
+            <a:off x="9884346" y="2190489"/>
             <a:ext cx="475989" cy="989556"/>
           </a:xfrm>
           <a:prstGeom prst="downArrow">
@@ -9344,7 +9384,7 @@
         </p:nvSpPr>
         <p:spPr>
           <a:xfrm>
-            <a:off x="9054634" y="4288103"/>
+            <a:off x="9126521" y="3252933"/>
             <a:ext cx="1991638" cy="646331"/>
           </a:xfrm>
           <a:prstGeom prst="rect">
@@ -9387,8 +9427,8 @@
           </a:p>
         </p:txBody>
       </p:sp>
-      <mc:AlternateContent xmlns:mc="http://schemas.openxmlformats.org/markup-compatibility/2006" xmlns:a14="http://schemas.microsoft.com/office/drawing/2010/main">
-        <mc:Choice Requires="a14">
+      <mc:AlternateContent xmlns:mc="http://schemas.openxmlformats.org/markup-compatibility/2006">
+        <mc:Choice xmlns:a14="http://schemas.microsoft.com/office/drawing/2010/main" Requires="a14">
           <p:sp>
             <p:nvSpPr>
               <p:cNvPr id="7" name="CasellaDiTesto 6">
@@ -9403,7 +9443,7 @@
             </p:nvSpPr>
             <p:spPr>
               <a:xfrm>
-                <a:off x="8722365" y="5070088"/>
+                <a:off x="8880516" y="3905522"/>
                 <a:ext cx="2670090" cy="1231106"/>
               </a:xfrm>
               <a:prstGeom prst="rect">
@@ -9587,7 +9627,7 @@
             </p:txBody>
           </p:sp>
         </mc:Choice>
-        <mc:Fallback xmlns="">
+        <mc:Fallback>
           <p:sp>
             <p:nvSpPr>
               <p:cNvPr id="7" name="CasellaDiTesto 6">
@@ -9604,7 +9644,7 @@
             </p:nvSpPr>
             <p:spPr>
               <a:xfrm>
-                <a:off x="8722365" y="5070088"/>
+                <a:off x="8880516" y="3905522"/>
                 <a:ext cx="2670090" cy="1231106"/>
               </a:xfrm>
               <a:prstGeom prst="rect">
@@ -9622,7 +9662,7 @@
               <a:lstStyle/>
               <a:p>
                 <a:r>
-                  <a:rPr lang="en-GB">
+                  <a:rPr lang="it-IT">
                     <a:noFill/>
                   </a:rPr>
                   <a:t> </a:t>
@@ -9632,6 +9672,290 @@
           </p:sp>
         </mc:Fallback>
       </mc:AlternateContent>
+      <p:cxnSp>
+        <p:nvCxnSpPr>
+          <p:cNvPr id="8" name="Straight Arrow Connector 7">
+            <a:extLst>
+              <a:ext uri="{FF2B5EF4-FFF2-40B4-BE49-F238E27FC236}">
+                <a16:creationId xmlns:a16="http://schemas.microsoft.com/office/drawing/2014/main" id="{1594F14F-4E3B-4AA3-91C3-327E51221F66}"/>
+              </a:ext>
+            </a:extLst>
+          </p:cNvPr>
+          <p:cNvCxnSpPr/>
+          <p:nvPr/>
+        </p:nvCxnSpPr>
+        <p:spPr>
+          <a:xfrm>
+            <a:off x="4546121" y="3345612"/>
+            <a:ext cx="3579961" cy="0"/>
+          </a:xfrm>
+          <a:prstGeom prst="straightConnector1">
+            <a:avLst/>
+          </a:prstGeom>
+          <a:ln>
+            <a:solidFill>
+              <a:schemeClr val="tx1">
+                <a:lumMod val="50000"/>
+                <a:lumOff val="50000"/>
+              </a:schemeClr>
+            </a:solidFill>
+          </a:ln>
+        </p:spPr>
+        <p:style>
+          <a:lnRef idx="1">
+            <a:schemeClr val="accent2"/>
+          </a:lnRef>
+          <a:fillRef idx="0">
+            <a:schemeClr val="accent2"/>
+          </a:fillRef>
+          <a:effectRef idx="0">
+            <a:schemeClr val="accent2"/>
+          </a:effectRef>
+          <a:fontRef idx="minor">
+            <a:schemeClr val="tx1"/>
+          </a:fontRef>
+        </p:style>
+      </p:cxnSp>
+      <p:sp>
+        <p:nvSpPr>
+          <p:cNvPr id="9" name="TextBox 8">
+            <a:extLst>
+              <a:ext uri="{FF2B5EF4-FFF2-40B4-BE49-F238E27FC236}">
+                <a16:creationId xmlns:a16="http://schemas.microsoft.com/office/drawing/2014/main" id="{26E1A082-5134-48F8-92BD-0D00CFBA8136}"/>
+              </a:ext>
+            </a:extLst>
+          </p:cNvPr>
+          <p:cNvSpPr txBox="1"/>
+          <p:nvPr/>
+        </p:nvSpPr>
+        <p:spPr>
+          <a:xfrm>
+            <a:off x="4867275" y="3343275"/>
+            <a:ext cx="2743200" cy="461665"/>
+          </a:xfrm>
+          <a:prstGeom prst="rect">
+            <a:avLst/>
+          </a:prstGeom>
+          <a:noFill/>
+        </p:spPr>
+        <p:txBody>
+          <a:bodyPr rot="0" spcFirstLastPara="0" vertOverflow="overflow" horzOverflow="overflow" vert="horz" wrap="square" lIns="91440" tIns="45720" rIns="91440" bIns="45720" numCol="1" spcCol="0" rtlCol="0" fromWordArt="0" anchor="t" anchorCtr="0" forceAA="0" compatLnSpc="1">
+            <a:prstTxWarp prst="textNoShape">
+              <a:avLst/>
+            </a:prstTxWarp>
+            <a:spAutoFit/>
+          </a:bodyPr>
+          <a:lstStyle/>
+          <a:p>
+            <a:pPr algn="ctr"/>
+            <a:r>
+              <a:rPr lang="it-IT" sz="2400" b="1" i="1" dirty="0"/>
+              <a:t>Pareto front</a:t>
+            </a:r>
+            <a:endParaRPr lang="it-IT" sz="2400" b="1" i="1" dirty="0">
+              <a:cs typeface="Segoe UI Light"/>
+            </a:endParaRPr>
+          </a:p>
+        </p:txBody>
+      </p:sp>
+      <p:sp>
+        <p:nvSpPr>
+          <p:cNvPr id="10" name="TextBox 9">
+            <a:extLst>
+              <a:ext uri="{FF2B5EF4-FFF2-40B4-BE49-F238E27FC236}">
+                <a16:creationId xmlns:a16="http://schemas.microsoft.com/office/drawing/2014/main" id="{88F16203-8D99-4229-A4D3-7D276ADC920D}"/>
+              </a:ext>
+            </a:extLst>
+          </p:cNvPr>
+          <p:cNvSpPr txBox="1"/>
+          <p:nvPr/>
+        </p:nvSpPr>
+        <p:spPr>
+          <a:xfrm>
+            <a:off x="4550075" y="3903094"/>
+            <a:ext cx="3505199" cy="2031325"/>
+          </a:xfrm>
+          <a:prstGeom prst="rect">
+            <a:avLst/>
+          </a:prstGeom>
+          <a:noFill/>
+        </p:spPr>
+        <p:txBody>
+          <a:bodyPr rot="0" spcFirstLastPara="0" vertOverflow="overflow" horzOverflow="overflow" vert="horz" wrap="square" lIns="91440" tIns="45720" rIns="91440" bIns="45720" numCol="1" spcCol="0" rtlCol="0" fromWordArt="0" anchor="t" anchorCtr="0" forceAA="0" compatLnSpc="1">
+            <a:prstTxWarp prst="textNoShape">
+              <a:avLst/>
+            </a:prstTxWarp>
+            <a:spAutoFit/>
+          </a:bodyPr>
+          <a:lstStyle/>
+          <a:p>
+            <a:r>
+              <a:rPr lang="it-IT" dirty="0"/>
+              <a:t>A set of </a:t>
+            </a:r>
+            <a:r>
+              <a:rPr lang="it-IT" dirty="0" err="1"/>
+              <a:t>optimal</a:t>
+            </a:r>
+            <a:r>
+              <a:rPr lang="it-IT" dirty="0"/>
+              <a:t> </a:t>
+            </a:r>
+            <a:r>
+              <a:rPr lang="it-IT" dirty="0" err="1"/>
+              <a:t>solutions</a:t>
+            </a:r>
+            <a:r>
+              <a:rPr lang="it-IT" dirty="0"/>
+              <a:t>.</a:t>
+            </a:r>
+            <a:endParaRPr lang="it-IT" dirty="0">
+              <a:cs typeface="Segoe UI Light"/>
+            </a:endParaRPr>
+          </a:p>
+          <a:p>
+            <a:r>
+              <a:rPr lang="it-IT" dirty="0">
+                <a:cs typeface="Segoe UI Light"/>
+              </a:rPr>
+              <a:t>A set of </a:t>
+            </a:r>
+            <a:r>
+              <a:rPr lang="it-IT" dirty="0" err="1">
+                <a:cs typeface="Segoe UI Light"/>
+              </a:rPr>
+              <a:t>not-dominated</a:t>
+            </a:r>
+            <a:r>
+              <a:rPr lang="it-IT" dirty="0">
+                <a:cs typeface="Segoe UI Light"/>
+              </a:rPr>
+              <a:t> points (no </a:t>
+            </a:r>
+            <a:r>
+              <a:rPr lang="it-IT" dirty="0" err="1">
+                <a:cs typeface="Segoe UI Light"/>
+              </a:rPr>
+              <a:t>other</a:t>
+            </a:r>
+            <a:r>
+              <a:rPr lang="it-IT" dirty="0">
+                <a:cs typeface="Segoe UI Light"/>
+              </a:rPr>
+              <a:t> point with </a:t>
+            </a:r>
+            <a:r>
+              <a:rPr lang="it-IT" dirty="0" err="1">
+                <a:cs typeface="Segoe UI Light"/>
+              </a:rPr>
+              <a:t>better</a:t>
+            </a:r>
+            <a:r>
+              <a:rPr lang="it-IT" dirty="0">
+                <a:cs typeface="Segoe UI Light"/>
+              </a:rPr>
+              <a:t> </a:t>
+            </a:r>
+            <a:r>
+              <a:rPr lang="it-IT" dirty="0" err="1">
+                <a:cs typeface="Segoe UI Light"/>
+              </a:rPr>
+              <a:t>values</a:t>
+            </a:r>
+            <a:r>
+              <a:rPr lang="it-IT" dirty="0">
+                <a:cs typeface="Segoe UI Light"/>
+              </a:rPr>
+              <a:t> for </a:t>
+            </a:r>
+            <a:r>
+              <a:rPr lang="it-IT" dirty="0" err="1">
+                <a:cs typeface="Segoe UI Light"/>
+              </a:rPr>
+              <a:t>each</a:t>
+            </a:r>
+            <a:r>
+              <a:rPr lang="it-IT" dirty="0">
+                <a:cs typeface="Segoe UI Light"/>
+              </a:rPr>
+              <a:t> </a:t>
+            </a:r>
+            <a:r>
+              <a:rPr lang="it-IT" dirty="0" err="1">
+                <a:cs typeface="Segoe UI Light"/>
+              </a:rPr>
+              <a:t>point's</a:t>
+            </a:r>
+            <a:r>
+              <a:rPr lang="it-IT" dirty="0">
+                <a:cs typeface="Segoe UI Light"/>
+              </a:rPr>
+              <a:t> </a:t>
+            </a:r>
+            <a:r>
+              <a:rPr lang="it-IT" dirty="0" err="1">
+                <a:cs typeface="Segoe UI Light"/>
+              </a:rPr>
+              <a:t>critera</a:t>
+            </a:r>
+            <a:r>
+              <a:rPr lang="it-IT" dirty="0">
+                <a:cs typeface="Segoe UI Light"/>
+              </a:rPr>
+              <a:t>).</a:t>
+            </a:r>
+          </a:p>
+          <a:p>
+            <a:endParaRPr lang="it-IT" dirty="0">
+              <a:cs typeface="Segoe UI Light"/>
+            </a:endParaRPr>
+          </a:p>
+          <a:p>
+            <a:r>
+              <a:rPr lang="it-IT" dirty="0">
+                <a:cs typeface="Segoe UI Light"/>
+              </a:rPr>
+              <a:t>A point can be part of Pareto front </a:t>
+            </a:r>
+            <a:r>
+              <a:rPr lang="it-IT" dirty="0" err="1">
+                <a:cs typeface="Segoe UI Light"/>
+              </a:rPr>
+              <a:t>whitout</a:t>
+            </a:r>
+            <a:r>
+              <a:rPr lang="it-IT" dirty="0">
+                <a:cs typeface="Segoe UI Light"/>
+              </a:rPr>
+              <a:t> dominate </a:t>
+            </a:r>
+            <a:r>
+              <a:rPr lang="it-IT" dirty="0" err="1">
+                <a:cs typeface="Segoe UI Light"/>
+              </a:rPr>
+              <a:t>any</a:t>
+            </a:r>
+            <a:r>
+              <a:rPr lang="it-IT" dirty="0">
+                <a:cs typeface="Segoe UI Light"/>
+              </a:rPr>
+              <a:t> </a:t>
+            </a:r>
+            <a:r>
+              <a:rPr lang="it-IT" dirty="0" err="1">
+                <a:cs typeface="Segoe UI Light"/>
+              </a:rPr>
+              <a:t>other</a:t>
+            </a:r>
+            <a:r>
+              <a:rPr lang="it-IT" dirty="0">
+                <a:cs typeface="Segoe UI Light"/>
+              </a:rPr>
+              <a:t> point.</a:t>
+            </a:r>
+          </a:p>
+        </p:txBody>
+      </p:sp>
     </p:spTree>
     <p:extLst>
       <p:ext uri="{BB962C8B-B14F-4D97-AF65-F5344CB8AC3E}">
@@ -9793,8 +10117,8 @@
           </a:p>
         </p:txBody>
       </p:sp>
-      <mc:AlternateContent xmlns:mc="http://schemas.openxmlformats.org/markup-compatibility/2006">
-        <mc:Choice xmlns:a14="http://schemas.microsoft.com/office/drawing/2010/main" Requires="a14">
+      <mc:AlternateContent xmlns:mc="http://schemas.openxmlformats.org/markup-compatibility/2006" xmlns:a14="http://schemas.microsoft.com/office/drawing/2010/main">
+        <mc:Choice Requires="a14">
           <p:sp>
             <p:nvSpPr>
               <p:cNvPr id="8" name="CasellaDiTesto 7">
@@ -9898,7 +10222,7 @@
             </p:txBody>
           </p:sp>
         </mc:Choice>
-        <mc:Fallback>
+        <mc:Fallback xmlns="">
           <p:sp>
             <p:nvSpPr>
               <p:cNvPr id="8" name="CasellaDiTesto 7">
@@ -10076,8 +10400,8 @@
           </a:p>
         </p:txBody>
       </p:sp>
-      <mc:AlternateContent xmlns:mc="http://schemas.openxmlformats.org/markup-compatibility/2006">
-        <mc:Choice xmlns:a14="http://schemas.microsoft.com/office/drawing/2010/main" Requires="a14">
+      <mc:AlternateContent xmlns:mc="http://schemas.openxmlformats.org/markup-compatibility/2006" xmlns:a14="http://schemas.microsoft.com/office/drawing/2010/main">
+        <mc:Choice Requires="a14">
           <p:sp>
             <p:nvSpPr>
               <p:cNvPr id="11" name="CasellaDiTesto 10">
@@ -10224,7 +10548,7 @@
             </p:txBody>
           </p:sp>
         </mc:Choice>
-        <mc:Fallback>
+        <mc:Fallback xmlns="">
           <p:sp>
             <p:nvSpPr>
               <p:cNvPr id="11" name="CasellaDiTesto 10">
@@ -12379,7 +12703,7 @@
           <a:noFill/>
         </p:spPr>
         <p:txBody>
-          <a:bodyPr wrap="square" rtlCol="0">
+          <a:bodyPr wrap="square" rtlCol="0" anchor="t">
             <a:spAutoFit/>
           </a:bodyPr>
           <a:lstStyle/>
@@ -12389,10 +12713,18 @@
               <a:t>= </a:t>
             </a:r>
             <a:r>
+              <a:rPr lang="it-IT" sz="2400" b="1" dirty="0" err="1"/>
+              <a:t>Convex</a:t>
+            </a:r>
+            <a:r>
               <a:rPr lang="it-IT" sz="2400" b="1" dirty="0"/>
-              <a:t>Pareto Front</a:t>
-            </a:r>
-            <a:endParaRPr lang="en-GB" sz="2400" b="1" dirty="0"/>
+              <a:t> </a:t>
+            </a:r>
+            <a:r>
+              <a:rPr lang="it-IT" sz="2400" b="1" dirty="0" err="1"/>
+              <a:t>hull</a:t>
+            </a:r>
+            <a:endParaRPr lang="en-GB" sz="2400" b="1" dirty="0" err="1"/>
           </a:p>
         </p:txBody>
       </p:sp>
@@ -12465,7 +12797,7 @@
         <p:spPr>
           <a:xfrm>
             <a:off x="9359150" y="3514652"/>
-            <a:ext cx="2249907" cy="830997"/>
+            <a:ext cx="2249907" cy="461665"/>
           </a:xfrm>
           <a:prstGeom prst="rect">
             <a:avLst/>
@@ -12473,18 +12805,14 @@
           <a:noFill/>
         </p:spPr>
         <p:txBody>
-          <a:bodyPr wrap="square" rtlCol="0">
+          <a:bodyPr wrap="square" rtlCol="0" anchor="t">
             <a:spAutoFit/>
           </a:bodyPr>
           <a:lstStyle/>
           <a:p>
             <a:r>
               <a:rPr lang="it-IT" sz="2400" b="1" dirty="0"/>
-              <a:t>= Label Setting </a:t>
-            </a:r>
-            <a:r>
-              <a:rPr lang="it-IT" sz="2400" b="1" dirty="0" err="1"/>
-              <a:t>solutions</a:t>
+              <a:t>= Pareto front</a:t>
             </a:r>
             <a:endParaRPr lang="en-GB" sz="2400" b="1" dirty="0"/>
           </a:p>
@@ -12911,8 +13239,8 @@
           </a:p>
         </p:txBody>
       </p:sp>
-      <mc:AlternateContent xmlns:mc="http://schemas.openxmlformats.org/markup-compatibility/2006">
-        <mc:Choice xmlns:a14="http://schemas.microsoft.com/office/drawing/2010/main" Requires="a14">
+      <mc:AlternateContent xmlns:mc="http://schemas.openxmlformats.org/markup-compatibility/2006" xmlns:a14="http://schemas.microsoft.com/office/drawing/2010/main">
+        <mc:Choice Requires="a14">
           <p:sp>
             <p:nvSpPr>
               <p:cNvPr id="8" name="CasellaDiTesto 7">
@@ -13122,7 +13450,7 @@
             </p:txBody>
           </p:sp>
         </mc:Choice>
-        <mc:Fallback>
+        <mc:Fallback xmlns="">
           <p:sp>
             <p:nvSpPr>
               <p:cNvPr id="8" name="CasellaDiTesto 7">
@@ -14182,8 +14510,8 @@
           </a:prstGeom>
         </p:spPr>
       </p:pic>
-      <mc:AlternateContent xmlns:mc="http://schemas.openxmlformats.org/markup-compatibility/2006">
-        <mc:Choice xmlns:a14="http://schemas.microsoft.com/office/drawing/2010/main" Requires="a14">
+      <mc:AlternateContent xmlns:mc="http://schemas.openxmlformats.org/markup-compatibility/2006" xmlns:a14="http://schemas.microsoft.com/office/drawing/2010/main">
+        <mc:Choice Requires="a14">
           <p:sp>
             <p:nvSpPr>
               <p:cNvPr id="10" name="CasellaDiTesto 9">
@@ -14229,6 +14557,7 @@
                 </a:endParaRPr>
               </a:p>
               <a:p>
+                <a:pPr/>
                 <a14:m>
                   <m:oMathPara xmlns:m="http://schemas.openxmlformats.org/officeDocument/2006/math">
                     <m:oMathParaPr>
@@ -14292,7 +14621,7 @@
             </p:txBody>
           </p:sp>
         </mc:Choice>
-        <mc:Fallback>
+        <mc:Fallback xmlns="">
           <p:sp>
             <p:nvSpPr>
               <p:cNvPr id="10" name="CasellaDiTesto 9">
@@ -14571,7 +14900,7 @@
           <a:graphicData uri="http://schemas.openxmlformats.org/presentationml/2006/ole">
             <mc:AlternateContent xmlns:mc="http://schemas.openxmlformats.org/markup-compatibility/2006">
               <mc:Choice xmlns:v="urn:schemas-microsoft-com:vml" Requires="v">
-                <p:oleObj spid="_x0000_s2051" name="Worksheet" r:id="rId3" imgW="8953268" imgH="4143404" progId="Excel.Sheet.12">
+                <p:oleObj spid="_x0000_s2129" name="Worksheet" r:id="rId3" imgW="8953268" imgH="4143404" progId="Excel.Sheet.12">
                   <p:embed/>
                 </p:oleObj>
               </mc:Choice>
@@ -17276,8 +17605,8 @@
           </p:sp>
         </mc:Fallback>
       </mc:AlternateContent>
-      <mc:AlternateContent xmlns:mc="http://schemas.openxmlformats.org/markup-compatibility/2006">
-        <mc:Choice xmlns:a14="http://schemas.microsoft.com/office/drawing/2010/main" Requires="a14">
+      <mc:AlternateContent xmlns:mc="http://schemas.openxmlformats.org/markup-compatibility/2006" xmlns:a14="http://schemas.microsoft.com/office/drawing/2010/main">
+        <mc:Choice Requires="a14">
           <p:sp>
             <p:nvSpPr>
               <p:cNvPr id="7" name="CasellaDiTesto 6">
@@ -17654,7 +17983,7 @@
             </p:txBody>
           </p:sp>
         </mc:Choice>
-        <mc:Fallback>
+        <mc:Fallback xmlns="">
           <p:sp>
             <p:nvSpPr>
               <p:cNvPr id="7" name="CasellaDiTesto 6">

--- a/notes/Bicriteria Paths Problem.pptx
+++ b/notes/Bicriteria Paths Problem.pptx
@@ -5,10 +5,10 @@
     <p:sldMasterId id="2147483648" r:id="rId1"/>
   </p:sldMasterIdLst>
   <p:notesMasterIdLst>
-    <p:notesMasterId r:id="rId29"/>
+    <p:notesMasterId r:id="rId30"/>
   </p:notesMasterIdLst>
   <p:handoutMasterIdLst>
-    <p:handoutMasterId r:id="rId30"/>
+    <p:handoutMasterId r:id="rId31"/>
   </p:handoutMasterIdLst>
   <p:sldIdLst>
     <p:sldId id="256" r:id="rId2"/>
@@ -22,22 +22,23 @@
     <p:sldId id="296" r:id="rId10"/>
     <p:sldId id="297" r:id="rId11"/>
     <p:sldId id="300" r:id="rId12"/>
-    <p:sldId id="301" r:id="rId13"/>
-    <p:sldId id="302" r:id="rId14"/>
-    <p:sldId id="308" r:id="rId15"/>
-    <p:sldId id="304" r:id="rId16"/>
-    <p:sldId id="303" r:id="rId17"/>
-    <p:sldId id="305" r:id="rId18"/>
-    <p:sldId id="306" r:id="rId19"/>
-    <p:sldId id="307" r:id="rId20"/>
-    <p:sldId id="309" r:id="rId21"/>
-    <p:sldId id="310" r:id="rId22"/>
-    <p:sldId id="311" r:id="rId23"/>
-    <p:sldId id="312" r:id="rId24"/>
-    <p:sldId id="313" r:id="rId25"/>
-    <p:sldId id="315" r:id="rId26"/>
-    <p:sldId id="316" r:id="rId27"/>
-    <p:sldId id="317" r:id="rId28"/>
+    <p:sldId id="318" r:id="rId13"/>
+    <p:sldId id="301" r:id="rId14"/>
+    <p:sldId id="302" r:id="rId15"/>
+    <p:sldId id="308" r:id="rId16"/>
+    <p:sldId id="304" r:id="rId17"/>
+    <p:sldId id="303" r:id="rId18"/>
+    <p:sldId id="305" r:id="rId19"/>
+    <p:sldId id="306" r:id="rId20"/>
+    <p:sldId id="307" r:id="rId21"/>
+    <p:sldId id="309" r:id="rId22"/>
+    <p:sldId id="310" r:id="rId23"/>
+    <p:sldId id="311" r:id="rId24"/>
+    <p:sldId id="312" r:id="rId25"/>
+    <p:sldId id="313" r:id="rId26"/>
+    <p:sldId id="315" r:id="rId27"/>
+    <p:sldId id="316" r:id="rId28"/>
+    <p:sldId id="317" r:id="rId29"/>
   </p:sldIdLst>
   <p:sldSz cx="12192000" cy="6858000"/>
   <p:notesSz cx="6858000" cy="9144000"/>
@@ -184,14 +185,6 @@
 </p:cmAuthorLst>
 </file>
 
-<file path=ppt/revisionInfo.xml><?xml version="1.0" encoding="utf-8"?>
-<p1510:revInfo xmlns:a="http://schemas.openxmlformats.org/drawingml/2006/main" xmlns:r="http://schemas.openxmlformats.org/officeDocument/2006/relationships" xmlns:p1510="http://schemas.microsoft.com/office/powerpoint/2015/10/main">
-  <p1510:revLst>
-    <p1510:client id="{8227E7E9-17F0-440F-B408-242086013CA1}" v="1085" dt="2019-06-05T09:44:53.321"/>
-  </p1510:revLst>
-</p1510:revInfo>
-</file>
-
 <file path=ppt/comments/comment1.xml><?xml version="1.0" encoding="utf-8"?>
 <p:cmLst xmlns:a="http://schemas.openxmlformats.org/drawingml/2006/main" xmlns:r="http://schemas.openxmlformats.org/officeDocument/2006/relationships" xmlns:p="http://schemas.openxmlformats.org/presentationml/2006/main">
   <p:cm authorId="2" dt="2019-06-04T10:49:22.491" idx="1">
@@ -302,7 +295,7 @@
             <a:pPr rtl="0"/>
             <a:fld id="{EB190EFE-CCCB-4DCD-B1CF-8C3CB119D6FE}" type="datetime1">
               <a:rPr lang="it-IT" smtClean="0"/>
-              <a:t>07/06/2019</a:t>
+              <a:t>09/06/2019</a:t>
             </a:fld>
             <a:endParaRPr lang="it-IT" dirty="0"/>
           </a:p>
@@ -483,7 +476,7 @@
             <a:fld id="{526AC070-77AE-44FC-B0C8-108B581F9765}" type="datetime1">
               <a:rPr lang="it-IT" noProof="0" smtClean="0"/>
               <a:pPr/>
-              <a:t>07/06/2019</a:t>
+              <a:t>09/06/2019</a:t>
             </a:fld>
             <a:endParaRPr lang="it-IT" noProof="0" dirty="0"/>
           </a:p>
@@ -991,7 +984,7 @@
             <a:pPr rtl="0"/>
             <a:fld id="{73953276-A596-464E-8131-16FDC4642D35}" type="datetime1">
               <a:rPr lang="it-IT" noProof="0" smtClean="0"/>
-              <a:t>07/06/2019</a:t>
+              <a:t>09/06/2019</a:t>
             </a:fld>
             <a:endParaRPr lang="it-IT" noProof="0" dirty="0"/>
           </a:p>
@@ -1195,7 +1188,7 @@
             <a:pPr rtl="0"/>
             <a:fld id="{59F66E3F-D06F-47DA-A95C-C846DE23F8C0}" type="datetime1">
               <a:rPr lang="it-IT" noProof="0" smtClean="0"/>
-              <a:t>07/06/2019</a:t>
+              <a:t>09/06/2019</a:t>
             </a:fld>
             <a:endParaRPr lang="it-IT" noProof="0" dirty="0"/>
           </a:p>
@@ -1409,7 +1402,7 @@
             <a:pPr rtl="0"/>
             <a:fld id="{46FE6513-E3C7-4048-AC2F-41B0D1F6D895}" type="datetime1">
               <a:rPr lang="it-IT" noProof="0" smtClean="0"/>
-              <a:t>07/06/2019</a:t>
+              <a:t>09/06/2019</a:t>
             </a:fld>
             <a:endParaRPr lang="it-IT" noProof="0" dirty="0"/>
           </a:p>
@@ -1613,7 +1606,7 @@
             <a:pPr rtl="0"/>
             <a:fld id="{4CA1E7DF-6F8F-47CE-8C70-53A994FBF180}" type="datetime1">
               <a:rPr lang="it-IT" noProof="0" smtClean="0"/>
-              <a:t>07/06/2019</a:t>
+              <a:t>09/06/2019</a:t>
             </a:fld>
             <a:endParaRPr lang="it-IT" noProof="0" dirty="0"/>
           </a:p>
@@ -1893,7 +1886,7 @@
             <a:pPr rtl="0"/>
             <a:fld id="{2CFB8710-ABAB-4285-AF31-02779743E1F4}" type="datetime1">
               <a:rPr lang="it-IT" noProof="0" smtClean="0"/>
-              <a:t>07/06/2019</a:t>
+              <a:t>09/06/2019</a:t>
             </a:fld>
             <a:endParaRPr lang="it-IT" noProof="0" dirty="0"/>
           </a:p>
@@ -2165,7 +2158,7 @@
             <a:pPr rtl="0"/>
             <a:fld id="{FE1FD3F1-0F70-4F3C-841E-3B4B1A9982AD}" type="datetime1">
               <a:rPr lang="it-IT" noProof="0" smtClean="0"/>
-              <a:t>07/06/2019</a:t>
+              <a:t>09/06/2019</a:t>
             </a:fld>
             <a:endParaRPr lang="it-IT" noProof="0" dirty="0"/>
           </a:p>
@@ -2584,7 +2577,7 @@
             <a:pPr rtl="0"/>
             <a:fld id="{3195CD94-E959-4436-A899-6BFB5CD81E9E}" type="datetime1">
               <a:rPr lang="it-IT" noProof="0" smtClean="0"/>
-              <a:t>07/06/2019</a:t>
+              <a:t>09/06/2019</a:t>
             </a:fld>
             <a:endParaRPr lang="it-IT" noProof="0" dirty="0"/>
           </a:p>
@@ -2730,7 +2723,7 @@
             <a:pPr rtl="0"/>
             <a:fld id="{327B0C7F-749B-466A-A38A-03B1C8A2F06C}" type="datetime1">
               <a:rPr lang="it-IT" noProof="0" smtClean="0"/>
-              <a:t>07/06/2019</a:t>
+              <a:t>09/06/2019</a:t>
             </a:fld>
             <a:endParaRPr lang="it-IT" noProof="0" dirty="0"/>
           </a:p>
@@ -2846,7 +2839,7 @@
             <a:pPr rtl="0"/>
             <a:fld id="{DEC309BE-2E90-45F2-A626-98CE1308C9C4}" type="datetime1">
               <a:rPr lang="it-IT" noProof="0" smtClean="0"/>
-              <a:t>07/06/2019</a:t>
+              <a:t>09/06/2019</a:t>
             </a:fld>
             <a:endParaRPr lang="it-IT" noProof="0" dirty="0"/>
           </a:p>
@@ -3163,7 +3156,7 @@
             <a:pPr rtl="0"/>
             <a:fld id="{D7D791A9-9A19-4C7D-9EDF-F6B9F670B73C}" type="datetime1">
               <a:rPr lang="it-IT" noProof="0" smtClean="0"/>
-              <a:t>07/06/2019</a:t>
+              <a:t>09/06/2019</a:t>
             </a:fld>
             <a:endParaRPr lang="it-IT" noProof="0" dirty="0"/>
           </a:p>
@@ -3461,7 +3454,7 @@
             <a:pPr rtl="0"/>
             <a:fld id="{1C87147A-BE07-4D89-850F-642EAF1AAEA9}" type="datetime1">
               <a:rPr lang="it-IT" noProof="0" smtClean="0"/>
-              <a:t>07/06/2019</a:t>
+              <a:t>09/06/2019</a:t>
             </a:fld>
             <a:endParaRPr lang="it-IT" noProof="0" dirty="0"/>
           </a:p>
@@ -3706,7 +3699,7 @@
             <a:pPr rtl="0"/>
             <a:fld id="{750AD8DE-E201-43F1-B9CB-48547493CA6A}" type="datetime1">
               <a:rPr lang="it-IT" noProof="0" smtClean="0"/>
-              <a:t>07/06/2019</a:t>
+              <a:t>09/06/2019</a:t>
             </a:fld>
             <a:endParaRPr lang="it-IT" noProof="0" dirty="0"/>
           </a:p>
@@ -7438,6 +7431,116 @@
     <p:bg>
       <p:bgPr>
         <a:solidFill>
+          <a:schemeClr val="bg1"/>
+        </a:solidFill>
+        <a:effectLst/>
+      </p:bgPr>
+    </p:bg>
+    <p:spTree>
+      <p:nvGrpSpPr>
+        <p:cNvPr id="1" name=""/>
+        <p:cNvGrpSpPr/>
+        <p:nvPr/>
+      </p:nvGrpSpPr>
+      <p:grpSpPr>
+        <a:xfrm>
+          <a:off x="0" y="0"/>
+          <a:ext cx="0" cy="0"/>
+          <a:chOff x="0" y="0"/>
+          <a:chExt cx="0" cy="0"/>
+        </a:xfrm>
+      </p:grpSpPr>
+      <p:pic>
+        <p:nvPicPr>
+          <p:cNvPr id="2" name="Picture 2" descr="Immagine che contiene testo&#10;&#10;Descrizione generata con affidabilità elevata">
+            <a:extLst>
+              <a:ext uri="{FF2B5EF4-FFF2-40B4-BE49-F238E27FC236}">
+                <a16:creationId xmlns:a16="http://schemas.microsoft.com/office/drawing/2014/main" id="{498E573A-B855-4B84-8A74-8B3DF4B6C0DE}"/>
+              </a:ext>
+            </a:extLst>
+          </p:cNvPr>
+          <p:cNvPicPr>
+            <a:picLocks noChangeAspect="1"/>
+          </p:cNvPicPr>
+          <p:nvPr/>
+        </p:nvPicPr>
+        <p:blipFill>
+          <a:blip r:embed="rId2"/>
+          <a:stretch>
+            <a:fillRect/>
+          </a:stretch>
+        </p:blipFill>
+        <p:spPr>
+          <a:xfrm>
+            <a:off x="68373" y="901778"/>
+            <a:ext cx="12127140" cy="5960215"/>
+          </a:xfrm>
+          <a:prstGeom prst="rect">
+            <a:avLst/>
+          </a:prstGeom>
+        </p:spPr>
+      </p:pic>
+      <p:sp>
+        <p:nvSpPr>
+          <p:cNvPr id="4" name="TextBox 3">
+            <a:extLst>
+              <a:ext uri="{FF2B5EF4-FFF2-40B4-BE49-F238E27FC236}">
+                <a16:creationId xmlns:a16="http://schemas.microsoft.com/office/drawing/2014/main" id="{0F2EC6BD-8DA4-49CC-9A74-EB27AF3B2AA7}"/>
+              </a:ext>
+            </a:extLst>
+          </p:cNvPr>
+          <p:cNvSpPr txBox="1"/>
+          <p:nvPr/>
+        </p:nvSpPr>
+        <p:spPr>
+          <a:xfrm>
+            <a:off x="4379343" y="-5751"/>
+            <a:ext cx="3505200" cy="584775"/>
+          </a:xfrm>
+          <a:prstGeom prst="rect">
+            <a:avLst/>
+          </a:prstGeom>
+          <a:noFill/>
+        </p:spPr>
+        <p:txBody>
+          <a:bodyPr rot="0" spcFirstLastPara="0" vertOverflow="overflow" horzOverflow="overflow" vert="horz" wrap="square" lIns="91440" tIns="45720" rIns="91440" bIns="45720" numCol="1" spcCol="0" rtlCol="0" fromWordArt="0" anchor="t" anchorCtr="0" forceAA="0" compatLnSpc="1">
+            <a:prstTxWarp prst="textNoShape">
+              <a:avLst/>
+            </a:prstTxWarp>
+            <a:spAutoFit/>
+          </a:bodyPr>
+          <a:lstStyle/>
+          <a:p>
+            <a:pPr algn="ctr"/>
+            <a:r>
+              <a:rPr lang="it-IT" sz="3200"/>
+              <a:t>A* Pseudocode</a:t>
+            </a:r>
+            <a:endParaRPr lang="it-IT" sz="3200">
+              <a:cs typeface="Segoe UI Light"/>
+            </a:endParaRPr>
+          </a:p>
+        </p:txBody>
+      </p:sp>
+    </p:spTree>
+    <p:extLst>
+      <p:ext uri="{BB962C8B-B14F-4D97-AF65-F5344CB8AC3E}">
+        <p14:creationId xmlns:p14="http://schemas.microsoft.com/office/powerpoint/2010/main" val="306457507"/>
+      </p:ext>
+    </p:extLst>
+  </p:cSld>
+  <p:clrMapOvr>
+    <a:masterClrMapping/>
+  </p:clrMapOvr>
+</p:sld>
+</file>
+
+<file path=ppt/slides/slide13.xml><?xml version="1.0" encoding="utf-8"?>
+<p:sld xmlns:a="http://schemas.openxmlformats.org/drawingml/2006/main" xmlns:r="http://schemas.openxmlformats.org/officeDocument/2006/relationships" xmlns:p="http://schemas.openxmlformats.org/presentationml/2006/main">
+  <p:cSld>
+    <p:bg>
+      <p:bgPr>
+        <a:solidFill>
           <a:schemeClr val="bg1">
             <a:alpha val="0"/>
           </a:schemeClr>
@@ -7556,380 +7659,6 @@
     <p:extLst>
       <p:ext uri="{BB962C8B-B14F-4D97-AF65-F5344CB8AC3E}">
         <p14:creationId xmlns:p14="http://schemas.microsoft.com/office/powerpoint/2010/main" val="1982294669"/>
-      </p:ext>
-    </p:extLst>
-  </p:cSld>
-  <p:clrMapOvr>
-    <a:masterClrMapping/>
-  </p:clrMapOvr>
-</p:sld>
-</file>
-
-<file path=ppt/slides/slide13.xml><?xml version="1.0" encoding="utf-8"?>
-<p:sld xmlns:a="http://schemas.openxmlformats.org/drawingml/2006/main" xmlns:r="http://schemas.openxmlformats.org/officeDocument/2006/relationships" xmlns:p="http://schemas.openxmlformats.org/presentationml/2006/main">
-  <p:cSld>
-    <p:spTree>
-      <p:nvGrpSpPr>
-        <p:cNvPr id="1" name=""/>
-        <p:cNvGrpSpPr/>
-        <p:nvPr/>
-      </p:nvGrpSpPr>
-      <p:grpSpPr>
-        <a:xfrm>
-          <a:off x="0" y="0"/>
-          <a:ext cx="0" cy="0"/>
-          <a:chOff x="0" y="0"/>
-          <a:chExt cx="0" cy="0"/>
-        </a:xfrm>
-      </p:grpSpPr>
-      <p:pic>
-        <p:nvPicPr>
-          <p:cNvPr id="8" name="Immagine 7" descr="Immagine che contiene mappa, testo&#10;&#10;Descrizione generata automaticamente">
-            <a:extLst>
-              <a:ext uri="{FF2B5EF4-FFF2-40B4-BE49-F238E27FC236}">
-                <a16:creationId xmlns:a16="http://schemas.microsoft.com/office/drawing/2014/main" id="{5B7408F3-E318-4307-A99F-A122E50F323D}"/>
-              </a:ext>
-            </a:extLst>
-          </p:cNvPr>
-          <p:cNvPicPr>
-            <a:picLocks noChangeAspect="1"/>
-          </p:cNvPicPr>
-          <p:nvPr/>
-        </p:nvPicPr>
-        <p:blipFill rotWithShape="1">
-          <a:blip r:embed="rId2">
-            <a:extLst>
-              <a:ext uri="{28A0092B-C50C-407E-A947-70E740481C1C}">
-                <a14:useLocalDpi xmlns:a14="http://schemas.microsoft.com/office/drawing/2010/main" val="0"/>
-              </a:ext>
-            </a:extLst>
-          </a:blip>
-          <a:srcRect l="2892" t="4282"/>
-          <a:stretch/>
-        </p:blipFill>
-        <p:spPr>
-          <a:xfrm>
-            <a:off x="6218952" y="3551236"/>
-            <a:ext cx="5534424" cy="3293132"/>
-          </a:xfrm>
-          <a:prstGeom prst="rect">
-            <a:avLst/>
-          </a:prstGeom>
-        </p:spPr>
-      </p:pic>
-      <p:pic>
-        <p:nvPicPr>
-          <p:cNvPr id="10" name="Immagine 9" descr="Immagine che contiene mappa, testo&#10;&#10;Descrizione generata automaticamente">
-            <a:extLst>
-              <a:ext uri="{FF2B5EF4-FFF2-40B4-BE49-F238E27FC236}">
-                <a16:creationId xmlns:a16="http://schemas.microsoft.com/office/drawing/2014/main" id="{10E184EF-950A-4314-B0FF-BC1E1AE7B48D}"/>
-              </a:ext>
-            </a:extLst>
-          </p:cNvPr>
-          <p:cNvPicPr>
-            <a:picLocks noChangeAspect="1"/>
-          </p:cNvPicPr>
-          <p:nvPr/>
-        </p:nvPicPr>
-        <p:blipFill rotWithShape="1">
-          <a:blip r:embed="rId3">
-            <a:extLst>
-              <a:ext uri="{28A0092B-C50C-407E-A947-70E740481C1C}">
-                <a14:useLocalDpi xmlns:a14="http://schemas.microsoft.com/office/drawing/2010/main" val="0"/>
-              </a:ext>
-            </a:extLst>
-          </a:blip>
-          <a:srcRect t="3565"/>
-          <a:stretch/>
-        </p:blipFill>
-        <p:spPr>
-          <a:xfrm>
-            <a:off x="415717" y="3551238"/>
-            <a:ext cx="5752785" cy="3306762"/>
-          </a:xfrm>
-          <a:prstGeom prst="rect">
-            <a:avLst/>
-          </a:prstGeom>
-        </p:spPr>
-      </p:pic>
-      <p:pic>
-        <p:nvPicPr>
-          <p:cNvPr id="12" name="Immagine 11" descr="Immagine che contiene mappa&#10;&#10;Descrizione generata automaticamente">
-            <a:extLst>
-              <a:ext uri="{FF2B5EF4-FFF2-40B4-BE49-F238E27FC236}">
-                <a16:creationId xmlns:a16="http://schemas.microsoft.com/office/drawing/2014/main" id="{E57231BD-E70D-4387-9919-69A65BC19472}"/>
-              </a:ext>
-            </a:extLst>
-          </p:cNvPr>
-          <p:cNvPicPr>
-            <a:picLocks noChangeAspect="1"/>
-          </p:cNvPicPr>
-          <p:nvPr/>
-        </p:nvPicPr>
-        <p:blipFill rotWithShape="1">
-          <a:blip r:embed="rId4">
-            <a:extLst>
-              <a:ext uri="{28A0092B-C50C-407E-A947-70E740481C1C}">
-                <a14:useLocalDpi xmlns:a14="http://schemas.microsoft.com/office/drawing/2010/main" val="0"/>
-              </a:ext>
-            </a:extLst>
-          </a:blip>
-          <a:srcRect l="2535" t="4213" r="-772" b="4051"/>
-          <a:stretch/>
-        </p:blipFill>
-        <p:spPr>
-          <a:xfrm>
-            <a:off x="6215968" y="405604"/>
-            <a:ext cx="5537407" cy="3145632"/>
-          </a:xfrm>
-          <a:prstGeom prst="rect">
-            <a:avLst/>
-          </a:prstGeom>
-        </p:spPr>
-      </p:pic>
-      <p:pic>
-        <p:nvPicPr>
-          <p:cNvPr id="14" name="Immagine 13" descr="Immagine che contiene mappa, testo&#10;&#10;Descrizione generata automaticamente">
-            <a:extLst>
-              <a:ext uri="{FF2B5EF4-FFF2-40B4-BE49-F238E27FC236}">
-                <a16:creationId xmlns:a16="http://schemas.microsoft.com/office/drawing/2014/main" id="{6CA61C66-FA66-492D-960B-08FB00C6C923}"/>
-              </a:ext>
-            </a:extLst>
-          </p:cNvPr>
-          <p:cNvPicPr>
-            <a:picLocks noChangeAspect="1"/>
-          </p:cNvPicPr>
-          <p:nvPr/>
-        </p:nvPicPr>
-        <p:blipFill rotWithShape="1">
-          <a:blip r:embed="rId5">
-            <a:extLst>
-              <a:ext uri="{28A0092B-C50C-407E-A947-70E740481C1C}">
-                <a14:useLocalDpi xmlns:a14="http://schemas.microsoft.com/office/drawing/2010/main" val="0"/>
-              </a:ext>
-            </a:extLst>
-          </a:blip>
-          <a:srcRect t="2934" r="3264" b="3386"/>
-          <a:stretch/>
-        </p:blipFill>
-        <p:spPr>
-          <a:xfrm>
-            <a:off x="415717" y="393927"/>
-            <a:ext cx="5680283" cy="3145632"/>
-          </a:xfrm>
-          <a:prstGeom prst="rect">
-            <a:avLst/>
-          </a:prstGeom>
-        </p:spPr>
-      </p:pic>
-      <p:sp>
-        <p:nvSpPr>
-          <p:cNvPr id="15" name="CasellaDiTesto 14">
-            <a:extLst>
-              <a:ext uri="{FF2B5EF4-FFF2-40B4-BE49-F238E27FC236}">
-                <a16:creationId xmlns:a16="http://schemas.microsoft.com/office/drawing/2014/main" id="{682011CE-7E2D-4970-85B8-A9259C183B52}"/>
-              </a:ext>
-            </a:extLst>
-          </p:cNvPr>
-          <p:cNvSpPr txBox="1"/>
-          <p:nvPr/>
-        </p:nvSpPr>
-        <p:spPr>
-          <a:xfrm>
-            <a:off x="415717" y="0"/>
-            <a:ext cx="5680283" cy="369332"/>
-          </a:xfrm>
-          <a:prstGeom prst="rect">
-            <a:avLst/>
-          </a:prstGeom>
-          <a:noFill/>
-        </p:spPr>
-        <p:txBody>
-          <a:bodyPr wrap="square" rtlCol="0">
-            <a:spAutoFit/>
-          </a:bodyPr>
-          <a:lstStyle/>
-          <a:p>
-            <a:pPr algn="ctr"/>
-            <a:r>
-              <a:rPr lang="it-IT" b="1" dirty="0"/>
-              <a:t>List of </a:t>
-            </a:r>
-            <a:r>
-              <a:rPr lang="it-IT" b="1" dirty="0" err="1"/>
-              <a:t>candidates</a:t>
-            </a:r>
-            <a:endParaRPr lang="en-GB" b="1" dirty="0"/>
-          </a:p>
-        </p:txBody>
-      </p:sp>
-      <p:sp>
-        <p:nvSpPr>
-          <p:cNvPr id="16" name="CasellaDiTesto 15">
-            <a:extLst>
-              <a:ext uri="{FF2B5EF4-FFF2-40B4-BE49-F238E27FC236}">
-                <a16:creationId xmlns:a16="http://schemas.microsoft.com/office/drawing/2014/main" id="{538E80F6-F1ED-4BA9-9137-8EB9D7B9E0E0}"/>
-              </a:ext>
-            </a:extLst>
-          </p:cNvPr>
-          <p:cNvSpPr txBox="1"/>
-          <p:nvPr/>
-        </p:nvSpPr>
-        <p:spPr>
-          <a:xfrm>
-            <a:off x="6215968" y="36272"/>
-            <a:ext cx="5680283" cy="369332"/>
-          </a:xfrm>
-          <a:prstGeom prst="rect">
-            <a:avLst/>
-          </a:prstGeom>
-          <a:noFill/>
-        </p:spPr>
-        <p:txBody>
-          <a:bodyPr wrap="square" rtlCol="0">
-            <a:spAutoFit/>
-          </a:bodyPr>
-          <a:lstStyle/>
-          <a:p>
-            <a:pPr algn="ctr"/>
-            <a:r>
-              <a:rPr lang="it-IT" b="1" dirty="0"/>
-              <a:t>A Star</a:t>
-            </a:r>
-            <a:endParaRPr lang="en-GB" b="1" dirty="0"/>
-          </a:p>
-        </p:txBody>
-      </p:sp>
-      <p:sp>
-        <p:nvSpPr>
-          <p:cNvPr id="17" name="CasellaDiTesto 16">
-            <a:extLst>
-              <a:ext uri="{FF2B5EF4-FFF2-40B4-BE49-F238E27FC236}">
-                <a16:creationId xmlns:a16="http://schemas.microsoft.com/office/drawing/2014/main" id="{F4F0D36C-C59E-4BE2-9D37-3CCB913C85E2}"/>
-              </a:ext>
-            </a:extLst>
-          </p:cNvPr>
-          <p:cNvSpPr txBox="1"/>
-          <p:nvPr/>
-        </p:nvSpPr>
-        <p:spPr>
-          <a:xfrm>
-            <a:off x="4752527" y="405604"/>
-            <a:ext cx="3019873" cy="369332"/>
-          </a:xfrm>
-          <a:prstGeom prst="rect">
-            <a:avLst/>
-          </a:prstGeom>
-          <a:solidFill>
-            <a:schemeClr val="bg1">
-              <a:alpha val="80000"/>
-            </a:schemeClr>
-          </a:solidFill>
-          <a:ln>
-            <a:solidFill>
-              <a:schemeClr val="tx1"/>
-            </a:solidFill>
-          </a:ln>
-        </p:spPr>
-        <p:style>
-          <a:lnRef idx="0">
-            <a:scrgbClr r="0" g="0" b="0"/>
-          </a:lnRef>
-          <a:fillRef idx="0">
-            <a:scrgbClr r="0" g="0" b="0"/>
-          </a:fillRef>
-          <a:effectRef idx="0">
-            <a:scrgbClr r="0" g="0" b="0"/>
-          </a:effectRef>
-          <a:fontRef idx="minor">
-            <a:schemeClr val="lt1"/>
-          </a:fontRef>
-        </p:style>
-        <p:txBody>
-          <a:bodyPr wrap="square" rtlCol="0">
-            <a:spAutoFit/>
-          </a:bodyPr>
-          <a:lstStyle/>
-          <a:p>
-            <a:r>
-              <a:rPr lang="it-IT" dirty="0">
-                <a:solidFill>
-                  <a:schemeClr val="tx1"/>
-                </a:solidFill>
-              </a:rPr>
-              <a:t>Source: 2070 → Target: 15426</a:t>
-            </a:r>
-            <a:endParaRPr lang="en-GB" dirty="0"/>
-          </a:p>
-        </p:txBody>
-      </p:sp>
-      <p:sp>
-        <p:nvSpPr>
-          <p:cNvPr id="18" name="CasellaDiTesto 17">
-            <a:extLst>
-              <a:ext uri="{FF2B5EF4-FFF2-40B4-BE49-F238E27FC236}">
-                <a16:creationId xmlns:a16="http://schemas.microsoft.com/office/drawing/2014/main" id="{CB6C9634-99B5-4F25-8630-67ADDE4F9545}"/>
-              </a:ext>
-            </a:extLst>
-          </p:cNvPr>
-          <p:cNvSpPr txBox="1"/>
-          <p:nvPr/>
-        </p:nvSpPr>
-        <p:spPr>
-          <a:xfrm>
-            <a:off x="4752527" y="3558149"/>
-            <a:ext cx="3019873" cy="369332"/>
-          </a:xfrm>
-          <a:prstGeom prst="rect">
-            <a:avLst/>
-          </a:prstGeom>
-          <a:solidFill>
-            <a:schemeClr val="bg1">
-              <a:alpha val="80000"/>
-            </a:schemeClr>
-          </a:solidFill>
-          <a:ln>
-            <a:solidFill>
-              <a:schemeClr val="tx1"/>
-            </a:solidFill>
-          </a:ln>
-        </p:spPr>
-        <p:style>
-          <a:lnRef idx="0">
-            <a:scrgbClr r="0" g="0" b="0"/>
-          </a:lnRef>
-          <a:fillRef idx="0">
-            <a:scrgbClr r="0" g="0" b="0"/>
-          </a:fillRef>
-          <a:effectRef idx="0">
-            <a:scrgbClr r="0" g="0" b="0"/>
-          </a:effectRef>
-          <a:fontRef idx="minor">
-            <a:schemeClr val="lt1"/>
-          </a:fontRef>
-        </p:style>
-        <p:txBody>
-          <a:bodyPr wrap="square" rtlCol="0">
-            <a:spAutoFit/>
-          </a:bodyPr>
-          <a:lstStyle/>
-          <a:p>
-            <a:r>
-              <a:rPr lang="it-IT" dirty="0">
-                <a:solidFill>
-                  <a:schemeClr val="tx1"/>
-                </a:solidFill>
-              </a:rPr>
-              <a:t>Source: 2000 → Target: 2689</a:t>
-            </a:r>
-            <a:endParaRPr lang="en-GB" dirty="0"/>
-          </a:p>
-        </p:txBody>
-      </p:sp>
-    </p:spTree>
-    <p:extLst>
-      <p:ext uri="{BB962C8B-B14F-4D97-AF65-F5344CB8AC3E}">
-        <p14:creationId xmlns:p14="http://schemas.microsoft.com/office/powerpoint/2010/main" val="2952487906"/>
       </p:ext>
     </p:extLst>
   </p:cSld>
@@ -7958,10 +7687,10 @@
       </p:grpSpPr>
       <p:pic>
         <p:nvPicPr>
-          <p:cNvPr id="3" name="Immagine 2">
-            <a:extLst>
-              <a:ext uri="{FF2B5EF4-FFF2-40B4-BE49-F238E27FC236}">
-                <a16:creationId xmlns:a16="http://schemas.microsoft.com/office/drawing/2014/main" id="{E426E33A-3B04-46A3-A5AB-B9177AC2FCDF}"/>
+          <p:cNvPr id="8" name="Immagine 7" descr="Immagine che contiene mappa, testo&#10;&#10;Descrizione generata automaticamente">
+            <a:extLst>
+              <a:ext uri="{FF2B5EF4-FFF2-40B4-BE49-F238E27FC236}">
+                <a16:creationId xmlns:a16="http://schemas.microsoft.com/office/drawing/2014/main" id="{5B7408F3-E318-4307-A99F-A122E50F323D}"/>
               </a:ext>
             </a:extLst>
           </p:cNvPr>
@@ -7978,13 +7707,13 @@
               </a:ext>
             </a:extLst>
           </a:blip>
-          <a:srcRect l="3034" t="3022" r="-1"/>
+          <a:srcRect l="2892" t="4282"/>
           <a:stretch/>
         </p:blipFill>
         <p:spPr>
           <a:xfrm>
-            <a:off x="6136139" y="2224202"/>
-            <a:ext cx="6012347" cy="3601873"/>
+            <a:off x="6218952" y="3551236"/>
+            <a:ext cx="5534424" cy="3293132"/>
           </a:xfrm>
           <a:prstGeom prst="rect">
             <a:avLst/>
@@ -7993,10 +7722,10 @@
       </p:pic>
       <p:pic>
         <p:nvPicPr>
-          <p:cNvPr id="5" name="Immagine 4">
-            <a:extLst>
-              <a:ext uri="{FF2B5EF4-FFF2-40B4-BE49-F238E27FC236}">
-                <a16:creationId xmlns:a16="http://schemas.microsoft.com/office/drawing/2014/main" id="{A2DB636A-7F1A-4D82-A9F8-219F2ECC2DCC}"/>
+          <p:cNvPr id="10" name="Immagine 9" descr="Immagine che contiene mappa, testo&#10;&#10;Descrizione generata automaticamente">
+            <a:extLst>
+              <a:ext uri="{FF2B5EF4-FFF2-40B4-BE49-F238E27FC236}">
+                <a16:creationId xmlns:a16="http://schemas.microsoft.com/office/drawing/2014/main" id="{10E184EF-950A-4314-B0FF-BC1E1AE7B48D}"/>
               </a:ext>
             </a:extLst>
           </p:cNvPr>
@@ -8013,25 +7742,95 @@
               </a:ext>
             </a:extLst>
           </a:blip>
-          <a:srcRect l="1" t="2959" r="704"/>
+          <a:srcRect t="3565"/>
           <a:stretch/>
         </p:blipFill>
         <p:spPr>
           <a:xfrm>
-            <a:off x="1" y="2227427"/>
-            <a:ext cx="6099372" cy="3601873"/>
+            <a:off x="415717" y="3551238"/>
+            <a:ext cx="5752785" cy="3306762"/>
           </a:xfrm>
           <a:prstGeom prst="rect">
             <a:avLst/>
           </a:prstGeom>
         </p:spPr>
       </p:pic>
+      <p:pic>
+        <p:nvPicPr>
+          <p:cNvPr id="12" name="Immagine 11" descr="Immagine che contiene mappa&#10;&#10;Descrizione generata automaticamente">
+            <a:extLst>
+              <a:ext uri="{FF2B5EF4-FFF2-40B4-BE49-F238E27FC236}">
+                <a16:creationId xmlns:a16="http://schemas.microsoft.com/office/drawing/2014/main" id="{E57231BD-E70D-4387-9919-69A65BC19472}"/>
+              </a:ext>
+            </a:extLst>
+          </p:cNvPr>
+          <p:cNvPicPr>
+            <a:picLocks noChangeAspect="1"/>
+          </p:cNvPicPr>
+          <p:nvPr/>
+        </p:nvPicPr>
+        <p:blipFill rotWithShape="1">
+          <a:blip r:embed="rId4">
+            <a:extLst>
+              <a:ext uri="{28A0092B-C50C-407E-A947-70E740481C1C}">
+                <a14:useLocalDpi xmlns:a14="http://schemas.microsoft.com/office/drawing/2010/main" val="0"/>
+              </a:ext>
+            </a:extLst>
+          </a:blip>
+          <a:srcRect l="2535" t="4213" r="-772" b="4051"/>
+          <a:stretch/>
+        </p:blipFill>
+        <p:spPr>
+          <a:xfrm>
+            <a:off x="6215968" y="405604"/>
+            <a:ext cx="5537407" cy="3145632"/>
+          </a:xfrm>
+          <a:prstGeom prst="rect">
+            <a:avLst/>
+          </a:prstGeom>
+        </p:spPr>
+      </p:pic>
+      <p:pic>
+        <p:nvPicPr>
+          <p:cNvPr id="14" name="Immagine 13" descr="Immagine che contiene mappa, testo&#10;&#10;Descrizione generata automaticamente">
+            <a:extLst>
+              <a:ext uri="{FF2B5EF4-FFF2-40B4-BE49-F238E27FC236}">
+                <a16:creationId xmlns:a16="http://schemas.microsoft.com/office/drawing/2014/main" id="{6CA61C66-FA66-492D-960B-08FB00C6C923}"/>
+              </a:ext>
+            </a:extLst>
+          </p:cNvPr>
+          <p:cNvPicPr>
+            <a:picLocks noChangeAspect="1"/>
+          </p:cNvPicPr>
+          <p:nvPr/>
+        </p:nvPicPr>
+        <p:blipFill rotWithShape="1">
+          <a:blip r:embed="rId5">
+            <a:extLst>
+              <a:ext uri="{28A0092B-C50C-407E-A947-70E740481C1C}">
+                <a14:useLocalDpi xmlns:a14="http://schemas.microsoft.com/office/drawing/2010/main" val="0"/>
+              </a:ext>
+            </a:extLst>
+          </a:blip>
+          <a:srcRect t="2934" r="3264" b="3386"/>
+          <a:stretch/>
+        </p:blipFill>
+        <p:spPr>
+          <a:xfrm>
+            <a:off x="415717" y="393927"/>
+            <a:ext cx="5680283" cy="3145632"/>
+          </a:xfrm>
+          <a:prstGeom prst="rect">
+            <a:avLst/>
+          </a:prstGeom>
+        </p:spPr>
+      </p:pic>
       <p:sp>
         <p:nvSpPr>
-          <p:cNvPr id="6" name="CasellaDiTesto 5">
-            <a:extLst>
-              <a:ext uri="{FF2B5EF4-FFF2-40B4-BE49-F238E27FC236}">
-                <a16:creationId xmlns:a16="http://schemas.microsoft.com/office/drawing/2014/main" id="{7023FA6E-5EAB-4FC0-85C1-0007D0124279}"/>
+          <p:cNvPr id="15" name="CasellaDiTesto 14">
+            <a:extLst>
+              <a:ext uri="{FF2B5EF4-FFF2-40B4-BE49-F238E27FC236}">
+                <a16:creationId xmlns:a16="http://schemas.microsoft.com/office/drawing/2014/main" id="{682011CE-7E2D-4970-85B8-A9259C183B52}"/>
               </a:ext>
             </a:extLst>
           </p:cNvPr>
@@ -8040,7 +7839,7 @@
         </p:nvSpPr>
         <p:spPr>
           <a:xfrm>
-            <a:off x="209545" y="1503123"/>
+            <a:off x="415717" y="0"/>
             <a:ext cx="5680283" cy="369332"/>
           </a:xfrm>
           <a:prstGeom prst="rect">
@@ -8069,10 +7868,10 @@
       </p:sp>
       <p:sp>
         <p:nvSpPr>
-          <p:cNvPr id="7" name="CasellaDiTesto 6">
-            <a:extLst>
-              <a:ext uri="{FF2B5EF4-FFF2-40B4-BE49-F238E27FC236}">
-                <a16:creationId xmlns:a16="http://schemas.microsoft.com/office/drawing/2014/main" id="{C7D8845A-47A2-464A-B27A-30E491941C75}"/>
+          <p:cNvPr id="16" name="CasellaDiTesto 15">
+            <a:extLst>
+              <a:ext uri="{FF2B5EF4-FFF2-40B4-BE49-F238E27FC236}">
+                <a16:creationId xmlns:a16="http://schemas.microsoft.com/office/drawing/2014/main" id="{538E80F6-F1ED-4BA9-9137-8EB9D7B9E0E0}"/>
               </a:ext>
             </a:extLst>
           </p:cNvPr>
@@ -8081,7 +7880,7 @@
         </p:nvSpPr>
         <p:spPr>
           <a:xfrm>
-            <a:off x="6302172" y="1514258"/>
+            <a:off x="6215968" y="36272"/>
             <a:ext cx="5680283" cy="369332"/>
           </a:xfrm>
           <a:prstGeom prst="rect">
@@ -8106,10 +7905,10 @@
       </p:sp>
       <p:sp>
         <p:nvSpPr>
-          <p:cNvPr id="8" name="CasellaDiTesto 7">
-            <a:extLst>
-              <a:ext uri="{FF2B5EF4-FFF2-40B4-BE49-F238E27FC236}">
-                <a16:creationId xmlns:a16="http://schemas.microsoft.com/office/drawing/2014/main" id="{D5EF233D-2487-4D33-966E-10B1DC395C8F}"/>
+          <p:cNvPr id="17" name="CasellaDiTesto 16">
+            <a:extLst>
+              <a:ext uri="{FF2B5EF4-FFF2-40B4-BE49-F238E27FC236}">
+                <a16:creationId xmlns:a16="http://schemas.microsoft.com/office/drawing/2014/main" id="{F4F0D36C-C59E-4BE2-9D37-3CCB913C85E2}"/>
               </a:ext>
             </a:extLst>
           </p:cNvPr>
@@ -8118,7 +7917,7 @@
         </p:nvSpPr>
         <p:spPr>
           <a:xfrm>
-            <a:off x="4792237" y="1517483"/>
+            <a:off x="4752527" y="405604"/>
             <a:ext cx="3019873" cy="369332"/>
           </a:xfrm>
           <a:prstGeom prst="rect">
@@ -8161,7 +7960,7 @@
                   <a:schemeClr val="tx1"/>
                 </a:solidFill>
               </a:rPr>
-              <a:t>Source: 1000 → Target: 1510</a:t>
+              <a:t>Source: 2070 → Target: 15426</a:t>
             </a:r>
             <a:endParaRPr lang="en-GB" dirty="0"/>
           </a:p>
@@ -8169,10 +7968,10 @@
       </p:sp>
       <p:sp>
         <p:nvSpPr>
-          <p:cNvPr id="9" name="CasellaDiTesto 8">
-            <a:extLst>
-              <a:ext uri="{FF2B5EF4-FFF2-40B4-BE49-F238E27FC236}">
-                <a16:creationId xmlns:a16="http://schemas.microsoft.com/office/drawing/2014/main" id="{10A17799-A138-4D2F-88EB-EEAB2B7FBA8A}"/>
+          <p:cNvPr id="18" name="CasellaDiTesto 17">
+            <a:extLst>
+              <a:ext uri="{FF2B5EF4-FFF2-40B4-BE49-F238E27FC236}">
+                <a16:creationId xmlns:a16="http://schemas.microsoft.com/office/drawing/2014/main" id="{CB6C9634-99B5-4F25-8630-67ADDE4F9545}"/>
               </a:ext>
             </a:extLst>
           </p:cNvPr>
@@ -8181,32 +7980,50 @@
         </p:nvSpPr>
         <p:spPr>
           <a:xfrm>
-            <a:off x="5243722" y="5829300"/>
-            <a:ext cx="2116899" cy="369332"/>
+            <a:off x="4752527" y="3558149"/>
+            <a:ext cx="3019873" cy="369332"/>
           </a:xfrm>
           <a:prstGeom prst="rect">
             <a:avLst/>
           </a:prstGeom>
-          <a:noFill/>
-        </p:spPr>
+          <a:solidFill>
+            <a:schemeClr val="bg1">
+              <a:alpha val="80000"/>
+            </a:schemeClr>
+          </a:solidFill>
+          <a:ln>
+            <a:solidFill>
+              <a:schemeClr val="tx1"/>
+            </a:solidFill>
+          </a:ln>
+        </p:spPr>
+        <p:style>
+          <a:lnRef idx="0">
+            <a:scrgbClr r="0" g="0" b="0"/>
+          </a:lnRef>
+          <a:fillRef idx="0">
+            <a:scrgbClr r="0" g="0" b="0"/>
+          </a:fillRef>
+          <a:effectRef idx="0">
+            <a:scrgbClr r="0" g="0" b="0"/>
+          </a:effectRef>
+          <a:fontRef idx="minor">
+            <a:schemeClr val="lt1"/>
+          </a:fontRef>
+        </p:style>
         <p:txBody>
           <a:bodyPr wrap="square" rtlCol="0">
             <a:spAutoFit/>
           </a:bodyPr>
           <a:lstStyle/>
           <a:p>
-            <a:pPr algn="ctr"/>
-            <a:r>
-              <a:rPr lang="it-IT" dirty="0" err="1"/>
-              <a:t>Map</a:t>
-            </a:r>
-            <a:r>
-              <a:rPr lang="it-IT" dirty="0"/>
-              <a:t>: </a:t>
-            </a:r>
-            <a:r>
-              <a:rPr lang="it-IT" dirty="0" err="1"/>
-              <a:t>Berlin</a:t>
+            <a:r>
+              <a:rPr lang="it-IT" dirty="0">
+                <a:solidFill>
+                  <a:schemeClr val="tx1"/>
+                </a:solidFill>
+              </a:rPr>
+              <a:t>Source: 2000 → Target: 2689</a:t>
             </a:r>
             <a:endParaRPr lang="en-GB" dirty="0"/>
           </a:p>
@@ -8215,7 +8032,7 @@
     </p:spTree>
     <p:extLst>
       <p:ext uri="{BB962C8B-B14F-4D97-AF65-F5344CB8AC3E}">
-        <p14:creationId xmlns:p14="http://schemas.microsoft.com/office/powerpoint/2010/main" val="2606138877"/>
+        <p14:creationId xmlns:p14="http://schemas.microsoft.com/office/powerpoint/2010/main" val="2952487906"/>
       </p:ext>
     </p:extLst>
   </p:cSld>
@@ -8228,14 +8045,6 @@
 <file path=ppt/slides/slide15.xml><?xml version="1.0" encoding="utf-8"?>
 <p:sld xmlns:a="http://schemas.openxmlformats.org/drawingml/2006/main" xmlns:r="http://schemas.openxmlformats.org/officeDocument/2006/relationships" xmlns:p="http://schemas.openxmlformats.org/presentationml/2006/main">
   <p:cSld>
-    <p:bg>
-      <p:bgPr>
-        <a:solidFill>
-          <a:schemeClr val="bg1"/>
-        </a:solidFill>
-        <a:effectLst/>
-      </p:bgPr>
-    </p:bg>
     <p:spTree>
       <p:nvGrpSpPr>
         <p:cNvPr id="1" name=""/>
@@ -8250,297 +8059,266 @@
           <a:chExt cx="0" cy="0"/>
         </a:xfrm>
       </p:grpSpPr>
+      <p:pic>
+        <p:nvPicPr>
+          <p:cNvPr id="3" name="Immagine 2">
+            <a:extLst>
+              <a:ext uri="{FF2B5EF4-FFF2-40B4-BE49-F238E27FC236}">
+                <a16:creationId xmlns:a16="http://schemas.microsoft.com/office/drawing/2014/main" id="{E426E33A-3B04-46A3-A5AB-B9177AC2FCDF}"/>
+              </a:ext>
+            </a:extLst>
+          </p:cNvPr>
+          <p:cNvPicPr>
+            <a:picLocks noChangeAspect="1"/>
+          </p:cNvPicPr>
+          <p:nvPr/>
+        </p:nvPicPr>
+        <p:blipFill rotWithShape="1">
+          <a:blip r:embed="rId2">
+            <a:extLst>
+              <a:ext uri="{28A0092B-C50C-407E-A947-70E740481C1C}">
+                <a14:useLocalDpi xmlns:a14="http://schemas.microsoft.com/office/drawing/2010/main" val="0"/>
+              </a:ext>
+            </a:extLst>
+          </a:blip>
+          <a:srcRect l="3034" t="3022" r="-1"/>
+          <a:stretch/>
+        </p:blipFill>
+        <p:spPr>
+          <a:xfrm>
+            <a:off x="6136139" y="2224202"/>
+            <a:ext cx="6012347" cy="3601873"/>
+          </a:xfrm>
+          <a:prstGeom prst="rect">
+            <a:avLst/>
+          </a:prstGeom>
+        </p:spPr>
+      </p:pic>
+      <p:pic>
+        <p:nvPicPr>
+          <p:cNvPr id="5" name="Immagine 4">
+            <a:extLst>
+              <a:ext uri="{FF2B5EF4-FFF2-40B4-BE49-F238E27FC236}">
+                <a16:creationId xmlns:a16="http://schemas.microsoft.com/office/drawing/2014/main" id="{A2DB636A-7F1A-4D82-A9F8-219F2ECC2DCC}"/>
+              </a:ext>
+            </a:extLst>
+          </p:cNvPr>
+          <p:cNvPicPr>
+            <a:picLocks noChangeAspect="1"/>
+          </p:cNvPicPr>
+          <p:nvPr/>
+        </p:nvPicPr>
+        <p:blipFill rotWithShape="1">
+          <a:blip r:embed="rId3">
+            <a:extLst>
+              <a:ext uri="{28A0092B-C50C-407E-A947-70E740481C1C}">
+                <a14:useLocalDpi xmlns:a14="http://schemas.microsoft.com/office/drawing/2010/main" val="0"/>
+              </a:ext>
+            </a:extLst>
+          </a:blip>
+          <a:srcRect l="1" t="2959" r="704"/>
+          <a:stretch/>
+        </p:blipFill>
+        <p:spPr>
+          <a:xfrm>
+            <a:off x="1" y="2227427"/>
+            <a:ext cx="6099372" cy="3601873"/>
+          </a:xfrm>
+          <a:prstGeom prst="rect">
+            <a:avLst/>
+          </a:prstGeom>
+        </p:spPr>
+      </p:pic>
       <p:sp>
         <p:nvSpPr>
-          <p:cNvPr id="8" name="Rectangle 7">
-            <a:extLst>
-              <a:ext uri="{FF2B5EF4-FFF2-40B4-BE49-F238E27FC236}">
-                <a16:creationId xmlns:a16="http://schemas.microsoft.com/office/drawing/2014/main" id="{8D70B121-56F4-4848-B38B-182089D909FA}"/>
-              </a:ext>
-              <a:ext uri="{C183D7F6-B498-43B3-948B-1728B52AA6E4}">
-                <adec:decorative xmlns:adec="http://schemas.microsoft.com/office/drawing/2017/decorative" val="1"/>
-              </a:ext>
-            </a:extLst>
-          </p:cNvPr>
-          <p:cNvSpPr>
-            <a:spLocks noGrp="1" noRot="1" noChangeAspect="1" noMove="1" noResize="1" noEditPoints="1" noAdjustHandles="1" noChangeArrowheads="1" noChangeShapeType="1" noTextEdit="1"/>
-          </p:cNvSpPr>
-          <p:nvPr>
-            <p:extLst>
-              <p:ext uri="{386F3935-93C4-4BCD-93E2-E3B085C9AB24}">
-                <p16:designElem xmlns:p16="http://schemas.microsoft.com/office/powerpoint/2015/main" val="1"/>
-              </p:ext>
-            </p:extLst>
-          </p:nvPr>
+          <p:cNvPr id="6" name="CasellaDiTesto 5">
+            <a:extLst>
+              <a:ext uri="{FF2B5EF4-FFF2-40B4-BE49-F238E27FC236}">
+                <a16:creationId xmlns:a16="http://schemas.microsoft.com/office/drawing/2014/main" id="{7023FA6E-5EAB-4FC0-85C1-0007D0124279}"/>
+              </a:ext>
+            </a:extLst>
+          </p:cNvPr>
+          <p:cNvSpPr txBox="1"/>
+          <p:nvPr/>
         </p:nvSpPr>
-        <p:spPr bwMode="ltGray">
+        <p:spPr>
           <a:xfrm>
-            <a:off x="321564" y="320040"/>
-            <a:ext cx="11548872" cy="6217920"/>
+            <a:off x="209545" y="1503123"/>
+            <a:ext cx="5680283" cy="369332"/>
+          </a:xfrm>
+          <a:prstGeom prst="rect">
+            <a:avLst/>
+          </a:prstGeom>
+          <a:noFill/>
+        </p:spPr>
+        <p:txBody>
+          <a:bodyPr wrap="square" rtlCol="0">
+            <a:spAutoFit/>
+          </a:bodyPr>
+          <a:lstStyle/>
+          <a:p>
+            <a:pPr algn="ctr"/>
+            <a:r>
+              <a:rPr lang="it-IT" b="1" dirty="0"/>
+              <a:t>List of </a:t>
+            </a:r>
+            <a:r>
+              <a:rPr lang="it-IT" b="1" dirty="0" err="1"/>
+              <a:t>candidates</a:t>
+            </a:r>
+            <a:endParaRPr lang="en-GB" b="1" dirty="0"/>
+          </a:p>
+        </p:txBody>
+      </p:sp>
+      <p:sp>
+        <p:nvSpPr>
+          <p:cNvPr id="7" name="CasellaDiTesto 6">
+            <a:extLst>
+              <a:ext uri="{FF2B5EF4-FFF2-40B4-BE49-F238E27FC236}">
+                <a16:creationId xmlns:a16="http://schemas.microsoft.com/office/drawing/2014/main" id="{C7D8845A-47A2-464A-B27A-30E491941C75}"/>
+              </a:ext>
+            </a:extLst>
+          </p:cNvPr>
+          <p:cNvSpPr txBox="1"/>
+          <p:nvPr/>
+        </p:nvSpPr>
+        <p:spPr>
+          <a:xfrm>
+            <a:off x="6302172" y="1514258"/>
+            <a:ext cx="5680283" cy="369332"/>
+          </a:xfrm>
+          <a:prstGeom prst="rect">
+            <a:avLst/>
+          </a:prstGeom>
+          <a:noFill/>
+        </p:spPr>
+        <p:txBody>
+          <a:bodyPr wrap="square" rtlCol="0">
+            <a:spAutoFit/>
+          </a:bodyPr>
+          <a:lstStyle/>
+          <a:p>
+            <a:pPr algn="ctr"/>
+            <a:r>
+              <a:rPr lang="it-IT" b="1" dirty="0"/>
+              <a:t>A Star</a:t>
+            </a:r>
+            <a:endParaRPr lang="en-GB" b="1" dirty="0"/>
+          </a:p>
+        </p:txBody>
+      </p:sp>
+      <p:sp>
+        <p:nvSpPr>
+          <p:cNvPr id="8" name="CasellaDiTesto 7">
+            <a:extLst>
+              <a:ext uri="{FF2B5EF4-FFF2-40B4-BE49-F238E27FC236}">
+                <a16:creationId xmlns:a16="http://schemas.microsoft.com/office/drawing/2014/main" id="{D5EF233D-2487-4D33-966E-10B1DC395C8F}"/>
+              </a:ext>
+            </a:extLst>
+          </p:cNvPr>
+          <p:cNvSpPr txBox="1"/>
+          <p:nvPr/>
+        </p:nvSpPr>
+        <p:spPr>
+          <a:xfrm>
+            <a:off x="4792237" y="1517483"/>
+            <a:ext cx="3019873" cy="369332"/>
           </a:xfrm>
           <a:prstGeom prst="rect">
             <a:avLst/>
           </a:prstGeom>
           <a:solidFill>
-            <a:schemeClr val="tx1">
-              <a:alpha val="8000"/>
+            <a:schemeClr val="bg1">
+              <a:alpha val="80000"/>
             </a:schemeClr>
           </a:solidFill>
-          <a:ln w="127000" cap="sq" cmpd="thinThick">
-            <a:noFill/>
+          <a:ln>
+            <a:solidFill>
+              <a:schemeClr val="tx1"/>
+            </a:solidFill>
           </a:ln>
         </p:spPr>
         <p:style>
-          <a:lnRef idx="2">
-            <a:schemeClr val="accent1">
-              <a:shade val="50000"/>
-            </a:schemeClr>
+          <a:lnRef idx="0">
+            <a:scrgbClr r="0" g="0" b="0"/>
           </a:lnRef>
-          <a:fillRef idx="1">
-            <a:schemeClr val="accent1"/>
+          <a:fillRef idx="0">
+            <a:scrgbClr r="0" g="0" b="0"/>
           </a:fillRef>
           <a:effectRef idx="0">
-            <a:schemeClr val="accent1"/>
+            <a:scrgbClr r="0" g="0" b="0"/>
           </a:effectRef>
           <a:fontRef idx="minor">
             <a:schemeClr val="lt1"/>
           </a:fontRef>
         </p:style>
         <p:txBody>
-          <a:bodyPr rtlCol="0" anchor="ctr"/>
+          <a:bodyPr wrap="square" rtlCol="0">
+            <a:spAutoFit/>
+          </a:bodyPr>
           <a:lstStyle/>
           <a:p>
-            <a:pPr marL="0" marR="0" lvl="0" indent="0" algn="ctr" defTabSz="914400" rtl="0" eaLnBrk="1" fontAlgn="auto" latinLnBrk="0" hangingPunct="1">
-              <a:lnSpc>
-                <a:spcPct val="100000"/>
-              </a:lnSpc>
-              <a:spcBef>
-                <a:spcPts val="0"/>
-              </a:spcBef>
-              <a:spcAft>
-                <a:spcPts val="0"/>
-              </a:spcAft>
-              <a:buClrTx/>
-              <a:buSzTx/>
-              <a:buFontTx/>
-              <a:buNone/>
-              <a:tabLst/>
-              <a:defRPr/>
-            </a:pPr>
-            <a:endParaRPr kumimoji="0" lang="en-US" sz="1800" b="0" i="0" u="none" strike="noStrike" kern="1200" cap="none" spc="0" normalizeH="0" baseline="0" noProof="0">
-              <a:ln>
-                <a:noFill/>
-              </a:ln>
-              <a:solidFill>
-                <a:prstClr val="white"/>
-              </a:solidFill>
-              <a:effectLst/>
-              <a:uLnTx/>
-              <a:uFillTx/>
-              <a:latin typeface="Segoe UI Light"/>
-              <a:ea typeface="+mn-ea"/>
-              <a:cs typeface="+mn-cs"/>
-            </a:endParaRPr>
+            <a:r>
+              <a:rPr lang="it-IT" dirty="0">
+                <a:solidFill>
+                  <a:schemeClr val="tx1"/>
+                </a:solidFill>
+              </a:rPr>
+              <a:t>Source: 1000 → Target: 1510</a:t>
+            </a:r>
+            <a:endParaRPr lang="en-GB" dirty="0"/>
           </a:p>
         </p:txBody>
       </p:sp>
       <p:sp>
         <p:nvSpPr>
-          <p:cNvPr id="2" name="Titolo 1">
-            <a:extLst>
-              <a:ext uri="{FF2B5EF4-FFF2-40B4-BE49-F238E27FC236}">
-                <a16:creationId xmlns:a16="http://schemas.microsoft.com/office/drawing/2014/main" id="{E72EFEA5-C9DF-483E-8D60-5F2F96FE5E6C}"/>
-              </a:ext>
-            </a:extLst>
-          </p:cNvPr>
-          <p:cNvSpPr>
-            <a:spLocks noGrp="1"/>
-          </p:cNvSpPr>
-          <p:nvPr>
-            <p:ph type="title"/>
-          </p:nvPr>
+          <p:cNvPr id="9" name="CasellaDiTesto 8">
+            <a:extLst>
+              <a:ext uri="{FF2B5EF4-FFF2-40B4-BE49-F238E27FC236}">
+                <a16:creationId xmlns:a16="http://schemas.microsoft.com/office/drawing/2014/main" id="{10A17799-A138-4D2F-88EB-EEAB2B7FBA8A}"/>
+              </a:ext>
+            </a:extLst>
+          </p:cNvPr>
+          <p:cNvSpPr txBox="1"/>
+          <p:nvPr/>
         </p:nvSpPr>
         <p:spPr>
           <a:xfrm>
-            <a:off x="740750" y="963877"/>
-            <a:ext cx="3816095" cy="4930246"/>
-          </a:xfrm>
+            <a:off x="5243722" y="5829300"/>
+            <a:ext cx="2116899" cy="369332"/>
+          </a:xfrm>
+          <a:prstGeom prst="rect">
+            <a:avLst/>
+          </a:prstGeom>
+          <a:noFill/>
         </p:spPr>
         <p:txBody>
-          <a:bodyPr>
-            <a:normAutofit/>
+          <a:bodyPr wrap="square" rtlCol="0">
+            <a:spAutoFit/>
           </a:bodyPr>
           <a:lstStyle/>
           <a:p>
-            <a:pPr algn="r"/>
-            <a:r>
-              <a:rPr lang="it-IT" dirty="0" err="1">
-                <a:solidFill>
-                  <a:schemeClr val="accent1"/>
-                </a:solidFill>
-              </a:rPr>
-              <a:t>Bicriteria</a:t>
-            </a:r>
-            <a:r>
-              <a:rPr lang="it-IT" dirty="0">
-                <a:solidFill>
-                  <a:schemeClr val="accent1"/>
-                </a:solidFill>
-              </a:rPr>
-              <a:t> </a:t>
-            </a:r>
-            <a:r>
-              <a:rPr lang="it-IT" dirty="0" err="1">
-                <a:solidFill>
-                  <a:schemeClr val="accent1"/>
-                </a:solidFill>
-              </a:rPr>
-              <a:t>algorithms</a:t>
-            </a:r>
-            <a:endParaRPr lang="en-GB" dirty="0">
-              <a:solidFill>
-                <a:schemeClr val="accent1"/>
-              </a:solidFill>
-            </a:endParaRPr>
-          </a:p>
-        </p:txBody>
-      </p:sp>
-      <p:cxnSp>
-        <p:nvCxnSpPr>
-          <p:cNvPr id="10" name="Straight Connector 9">
-            <a:extLst>
-              <a:ext uri="{FF2B5EF4-FFF2-40B4-BE49-F238E27FC236}">
-                <a16:creationId xmlns:a16="http://schemas.microsoft.com/office/drawing/2014/main" id="{2D72A2C9-F3CA-4216-8BAD-FA4C970C3C4E}"/>
-              </a:ext>
-              <a:ext uri="{C183D7F6-B498-43B3-948B-1728B52AA6E4}">
-                <adec:decorative xmlns:adec="http://schemas.microsoft.com/office/drawing/2017/decorative" val="1"/>
-              </a:ext>
-            </a:extLst>
-          </p:cNvPr>
-          <p:cNvCxnSpPr>
-            <a:cxnSpLocks noGrp="1" noRot="1" noChangeAspect="1" noMove="1" noResize="1" noEditPoints="1" noAdjustHandles="1" noChangeArrowheads="1" noChangeShapeType="1"/>
-          </p:cNvCxnSpPr>
-          <p:nvPr>
-            <p:extLst>
-              <p:ext uri="{386F3935-93C4-4BCD-93E2-E3B085C9AB24}">
-                <p16:designElem xmlns:p16="http://schemas.microsoft.com/office/powerpoint/2015/main" val="1"/>
-              </p:ext>
-            </p:extLst>
-          </p:nvPr>
-        </p:nvCxnSpPr>
-        <p:spPr>
-          <a:xfrm>
-            <a:off x="4654296" y="2057400"/>
-            <a:ext cx="0" cy="2743200"/>
-          </a:xfrm>
-          <a:prstGeom prst="line">
-            <a:avLst/>
-          </a:prstGeom>
-          <a:ln w="19050">
-            <a:solidFill>
-              <a:schemeClr val="tx1">
-                <a:lumMod val="85000"/>
-                <a:lumOff val="15000"/>
-              </a:schemeClr>
-            </a:solidFill>
-          </a:ln>
-        </p:spPr>
-        <p:style>
-          <a:lnRef idx="1">
-            <a:schemeClr val="accent1"/>
-          </a:lnRef>
-          <a:fillRef idx="0">
-            <a:schemeClr val="accent1"/>
-          </a:fillRef>
-          <a:effectRef idx="0">
-            <a:schemeClr val="accent1"/>
-          </a:effectRef>
-          <a:fontRef idx="minor">
-            <a:schemeClr val="tx1"/>
-          </a:fontRef>
-        </p:style>
-      </p:cxnSp>
-      <p:sp>
-        <p:nvSpPr>
-          <p:cNvPr id="3" name="Segnaposto contenuto 2">
-            <a:extLst>
-              <a:ext uri="{FF2B5EF4-FFF2-40B4-BE49-F238E27FC236}">
-                <a16:creationId xmlns:a16="http://schemas.microsoft.com/office/drawing/2014/main" id="{2B767381-6607-4B19-8601-1B9658143669}"/>
-              </a:ext>
-            </a:extLst>
-          </p:cNvPr>
-          <p:cNvSpPr>
-            <a:spLocks noGrp="1"/>
-          </p:cNvSpPr>
-          <p:nvPr>
-            <p:ph idx="1"/>
-          </p:nvPr>
-        </p:nvSpPr>
-        <p:spPr>
-          <a:xfrm>
-            <a:off x="4976031" y="963877"/>
-            <a:ext cx="6377769" cy="4930246"/>
-          </a:xfrm>
-        </p:spPr>
-        <p:txBody>
-          <a:bodyPr anchor="ctr">
-            <a:normAutofit/>
-          </a:bodyPr>
-          <a:lstStyle/>
-          <a:p>
-            <a:r>
-              <a:rPr lang="it-IT" sz="2400" dirty="0"/>
-              <a:t>Dijkstra </a:t>
-            </a:r>
-            <a:r>
-              <a:rPr lang="it-IT" sz="2400" i="1" dirty="0" err="1"/>
-              <a:t>Bicriteria</a:t>
-            </a:r>
-            <a:endParaRPr lang="it-IT" sz="2400" i="1" dirty="0"/>
-          </a:p>
-          <a:p>
-            <a:r>
-              <a:rPr lang="it-IT" sz="2400" i="1" dirty="0"/>
-              <a:t>Label-setting algorithm </a:t>
-            </a:r>
-          </a:p>
-          <a:p>
-            <a:r>
-              <a:rPr lang="it-IT" sz="2400" i="1" dirty="0" err="1"/>
-              <a:t>Lsa</a:t>
-            </a:r>
-            <a:r>
-              <a:rPr lang="it-IT" sz="2400" i="1" dirty="0"/>
-              <a:t> with </a:t>
-            </a:r>
-            <a:r>
-              <a:rPr lang="it-IT" sz="2400" i="1" dirty="0" err="1"/>
-              <a:t>lower</a:t>
-            </a:r>
-            <a:r>
-              <a:rPr lang="it-IT" sz="2400" i="1" dirty="0"/>
-              <a:t> </a:t>
-            </a:r>
-            <a:r>
-              <a:rPr lang="it-IT" sz="2400" i="1" dirty="0" err="1"/>
-              <a:t>bound</a:t>
-            </a:r>
-            <a:r>
-              <a:rPr lang="it-IT" sz="2400" i="1" dirty="0"/>
-              <a:t> </a:t>
-            </a:r>
-            <a:r>
-              <a:rPr lang="it-IT" sz="2400" i="1" dirty="0" err="1"/>
-              <a:t>improvement</a:t>
-            </a:r>
-            <a:endParaRPr lang="it-IT" sz="2400" i="1" dirty="0"/>
+            <a:pPr algn="ctr"/>
+            <a:r>
+              <a:rPr lang="it-IT" dirty="0" err="1"/>
+              <a:t>Map</a:t>
+            </a:r>
+            <a:r>
+              <a:rPr lang="it-IT" dirty="0"/>
+              <a:t>: </a:t>
+            </a:r>
+            <a:r>
+              <a:rPr lang="it-IT" dirty="0" err="1"/>
+              <a:t>Berlin</a:t>
+            </a:r>
+            <a:endParaRPr lang="en-GB" dirty="0"/>
           </a:p>
         </p:txBody>
       </p:sp>
     </p:spTree>
     <p:extLst>
       <p:ext uri="{BB962C8B-B14F-4D97-AF65-F5344CB8AC3E}">
-        <p14:creationId xmlns:p14="http://schemas.microsoft.com/office/powerpoint/2010/main" val="2400284237"/>
+        <p14:creationId xmlns:p14="http://schemas.microsoft.com/office/powerpoint/2010/main" val="2606138877"/>
       </p:ext>
     </p:extLst>
   </p:cSld>
@@ -8577,6 +8355,331 @@
       </p:grpSpPr>
       <p:sp>
         <p:nvSpPr>
+          <p:cNvPr id="8" name="Rectangle 7">
+            <a:extLst>
+              <a:ext uri="{FF2B5EF4-FFF2-40B4-BE49-F238E27FC236}">
+                <a16:creationId xmlns:a16="http://schemas.microsoft.com/office/drawing/2014/main" id="{8D70B121-56F4-4848-B38B-182089D909FA}"/>
+              </a:ext>
+              <a:ext uri="{C183D7F6-B498-43B3-948B-1728B52AA6E4}">
+                <adec:decorative xmlns:adec="http://schemas.microsoft.com/office/drawing/2017/decorative" val="1"/>
+              </a:ext>
+            </a:extLst>
+          </p:cNvPr>
+          <p:cNvSpPr>
+            <a:spLocks noGrp="1" noRot="1" noChangeAspect="1" noMove="1" noResize="1" noEditPoints="1" noAdjustHandles="1" noChangeArrowheads="1" noChangeShapeType="1" noTextEdit="1"/>
+          </p:cNvSpPr>
+          <p:nvPr>
+            <p:extLst>
+              <p:ext uri="{386F3935-93C4-4BCD-93E2-E3B085C9AB24}">
+                <p16:designElem xmlns:p16="http://schemas.microsoft.com/office/powerpoint/2015/main" val="1"/>
+              </p:ext>
+            </p:extLst>
+          </p:nvPr>
+        </p:nvSpPr>
+        <p:spPr bwMode="ltGray">
+          <a:xfrm>
+            <a:off x="321564" y="320040"/>
+            <a:ext cx="11548872" cy="6217920"/>
+          </a:xfrm>
+          <a:prstGeom prst="rect">
+            <a:avLst/>
+          </a:prstGeom>
+          <a:solidFill>
+            <a:schemeClr val="tx1">
+              <a:alpha val="8000"/>
+            </a:schemeClr>
+          </a:solidFill>
+          <a:ln w="127000" cap="sq" cmpd="thinThick">
+            <a:noFill/>
+          </a:ln>
+        </p:spPr>
+        <p:style>
+          <a:lnRef idx="2">
+            <a:schemeClr val="accent1">
+              <a:shade val="50000"/>
+            </a:schemeClr>
+          </a:lnRef>
+          <a:fillRef idx="1">
+            <a:schemeClr val="accent1"/>
+          </a:fillRef>
+          <a:effectRef idx="0">
+            <a:schemeClr val="accent1"/>
+          </a:effectRef>
+          <a:fontRef idx="minor">
+            <a:schemeClr val="lt1"/>
+          </a:fontRef>
+        </p:style>
+        <p:txBody>
+          <a:bodyPr rtlCol="0" anchor="ctr"/>
+          <a:lstStyle/>
+          <a:p>
+            <a:pPr marL="0" marR="0" lvl="0" indent="0" algn="ctr" defTabSz="914400" rtl="0" eaLnBrk="1" fontAlgn="auto" latinLnBrk="0" hangingPunct="1">
+              <a:lnSpc>
+                <a:spcPct val="100000"/>
+              </a:lnSpc>
+              <a:spcBef>
+                <a:spcPts val="0"/>
+              </a:spcBef>
+              <a:spcAft>
+                <a:spcPts val="0"/>
+              </a:spcAft>
+              <a:buClrTx/>
+              <a:buSzTx/>
+              <a:buFontTx/>
+              <a:buNone/>
+              <a:tabLst/>
+              <a:defRPr/>
+            </a:pPr>
+            <a:endParaRPr kumimoji="0" lang="en-US" sz="1800" b="0" i="0" u="none" strike="noStrike" kern="1200" cap="none" spc="0" normalizeH="0" baseline="0" noProof="0">
+              <a:ln>
+                <a:noFill/>
+              </a:ln>
+              <a:solidFill>
+                <a:prstClr val="white"/>
+              </a:solidFill>
+              <a:effectLst/>
+              <a:uLnTx/>
+              <a:uFillTx/>
+              <a:latin typeface="Segoe UI Light"/>
+              <a:ea typeface="+mn-ea"/>
+              <a:cs typeface="+mn-cs"/>
+            </a:endParaRPr>
+          </a:p>
+        </p:txBody>
+      </p:sp>
+      <p:sp>
+        <p:nvSpPr>
+          <p:cNvPr id="2" name="Titolo 1">
+            <a:extLst>
+              <a:ext uri="{FF2B5EF4-FFF2-40B4-BE49-F238E27FC236}">
+                <a16:creationId xmlns:a16="http://schemas.microsoft.com/office/drawing/2014/main" id="{E72EFEA5-C9DF-483E-8D60-5F2F96FE5E6C}"/>
+              </a:ext>
+            </a:extLst>
+          </p:cNvPr>
+          <p:cNvSpPr>
+            <a:spLocks noGrp="1"/>
+          </p:cNvSpPr>
+          <p:nvPr>
+            <p:ph type="title"/>
+          </p:nvPr>
+        </p:nvSpPr>
+        <p:spPr>
+          <a:xfrm>
+            <a:off x="740750" y="963877"/>
+            <a:ext cx="3816095" cy="4930246"/>
+          </a:xfrm>
+        </p:spPr>
+        <p:txBody>
+          <a:bodyPr>
+            <a:normAutofit/>
+          </a:bodyPr>
+          <a:lstStyle/>
+          <a:p>
+            <a:pPr algn="r"/>
+            <a:r>
+              <a:rPr lang="it-IT" dirty="0" err="1">
+                <a:solidFill>
+                  <a:schemeClr val="accent1"/>
+                </a:solidFill>
+              </a:rPr>
+              <a:t>Bicriteria</a:t>
+            </a:r>
+            <a:r>
+              <a:rPr lang="it-IT" dirty="0">
+                <a:solidFill>
+                  <a:schemeClr val="accent1"/>
+                </a:solidFill>
+              </a:rPr>
+              <a:t> </a:t>
+            </a:r>
+            <a:r>
+              <a:rPr lang="it-IT" dirty="0" err="1">
+                <a:solidFill>
+                  <a:schemeClr val="accent1"/>
+                </a:solidFill>
+              </a:rPr>
+              <a:t>algorithms</a:t>
+            </a:r>
+            <a:endParaRPr lang="en-GB" dirty="0">
+              <a:solidFill>
+                <a:schemeClr val="accent1"/>
+              </a:solidFill>
+            </a:endParaRPr>
+          </a:p>
+        </p:txBody>
+      </p:sp>
+      <p:cxnSp>
+        <p:nvCxnSpPr>
+          <p:cNvPr id="10" name="Straight Connector 9">
+            <a:extLst>
+              <a:ext uri="{FF2B5EF4-FFF2-40B4-BE49-F238E27FC236}">
+                <a16:creationId xmlns:a16="http://schemas.microsoft.com/office/drawing/2014/main" id="{2D72A2C9-F3CA-4216-8BAD-FA4C970C3C4E}"/>
+              </a:ext>
+              <a:ext uri="{C183D7F6-B498-43B3-948B-1728B52AA6E4}">
+                <adec:decorative xmlns:adec="http://schemas.microsoft.com/office/drawing/2017/decorative" val="1"/>
+              </a:ext>
+            </a:extLst>
+          </p:cNvPr>
+          <p:cNvCxnSpPr>
+            <a:cxnSpLocks noGrp="1" noRot="1" noChangeAspect="1" noMove="1" noResize="1" noEditPoints="1" noAdjustHandles="1" noChangeArrowheads="1" noChangeShapeType="1"/>
+          </p:cNvCxnSpPr>
+          <p:nvPr>
+            <p:extLst>
+              <p:ext uri="{386F3935-93C4-4BCD-93E2-E3B085C9AB24}">
+                <p16:designElem xmlns:p16="http://schemas.microsoft.com/office/powerpoint/2015/main" val="1"/>
+              </p:ext>
+            </p:extLst>
+          </p:nvPr>
+        </p:nvCxnSpPr>
+        <p:spPr>
+          <a:xfrm>
+            <a:off x="4654296" y="2057400"/>
+            <a:ext cx="0" cy="2743200"/>
+          </a:xfrm>
+          <a:prstGeom prst="line">
+            <a:avLst/>
+          </a:prstGeom>
+          <a:ln w="19050">
+            <a:solidFill>
+              <a:schemeClr val="tx1">
+                <a:lumMod val="85000"/>
+                <a:lumOff val="15000"/>
+              </a:schemeClr>
+            </a:solidFill>
+          </a:ln>
+        </p:spPr>
+        <p:style>
+          <a:lnRef idx="1">
+            <a:schemeClr val="accent1"/>
+          </a:lnRef>
+          <a:fillRef idx="0">
+            <a:schemeClr val="accent1"/>
+          </a:fillRef>
+          <a:effectRef idx="0">
+            <a:schemeClr val="accent1"/>
+          </a:effectRef>
+          <a:fontRef idx="minor">
+            <a:schemeClr val="tx1"/>
+          </a:fontRef>
+        </p:style>
+      </p:cxnSp>
+      <p:sp>
+        <p:nvSpPr>
+          <p:cNvPr id="3" name="Segnaposto contenuto 2">
+            <a:extLst>
+              <a:ext uri="{FF2B5EF4-FFF2-40B4-BE49-F238E27FC236}">
+                <a16:creationId xmlns:a16="http://schemas.microsoft.com/office/drawing/2014/main" id="{2B767381-6607-4B19-8601-1B9658143669}"/>
+              </a:ext>
+            </a:extLst>
+          </p:cNvPr>
+          <p:cNvSpPr>
+            <a:spLocks noGrp="1"/>
+          </p:cNvSpPr>
+          <p:nvPr>
+            <p:ph idx="1"/>
+          </p:nvPr>
+        </p:nvSpPr>
+        <p:spPr>
+          <a:xfrm>
+            <a:off x="4976031" y="963877"/>
+            <a:ext cx="6377769" cy="4930246"/>
+          </a:xfrm>
+        </p:spPr>
+        <p:txBody>
+          <a:bodyPr anchor="ctr">
+            <a:normAutofit/>
+          </a:bodyPr>
+          <a:lstStyle/>
+          <a:p>
+            <a:r>
+              <a:rPr lang="it-IT" sz="2400" dirty="0"/>
+              <a:t>Dijkstra </a:t>
+            </a:r>
+            <a:r>
+              <a:rPr lang="it-IT" sz="2400" i="1" dirty="0" err="1"/>
+              <a:t>Bicriteria</a:t>
+            </a:r>
+            <a:endParaRPr lang="it-IT" sz="2400" i="1" dirty="0"/>
+          </a:p>
+          <a:p>
+            <a:r>
+              <a:rPr lang="it-IT" sz="2400" i="1" dirty="0"/>
+              <a:t>Label-setting algorithm </a:t>
+            </a:r>
+          </a:p>
+          <a:p>
+            <a:r>
+              <a:rPr lang="it-IT" sz="2400" i="1" dirty="0" err="1"/>
+              <a:t>Lsa</a:t>
+            </a:r>
+            <a:r>
+              <a:rPr lang="it-IT" sz="2400" i="1" dirty="0"/>
+              <a:t> with </a:t>
+            </a:r>
+            <a:r>
+              <a:rPr lang="it-IT" sz="2400" i="1" dirty="0" err="1"/>
+              <a:t>lower</a:t>
+            </a:r>
+            <a:r>
+              <a:rPr lang="it-IT" sz="2400" i="1" dirty="0"/>
+              <a:t> </a:t>
+            </a:r>
+            <a:r>
+              <a:rPr lang="it-IT" sz="2400" i="1" dirty="0" err="1"/>
+              <a:t>bound</a:t>
+            </a:r>
+            <a:r>
+              <a:rPr lang="it-IT" sz="2400" i="1" dirty="0"/>
+              <a:t> </a:t>
+            </a:r>
+            <a:r>
+              <a:rPr lang="it-IT" sz="2400" i="1" dirty="0" err="1"/>
+              <a:t>improvement</a:t>
+            </a:r>
+            <a:endParaRPr lang="it-IT" sz="2400" i="1" dirty="0"/>
+          </a:p>
+        </p:txBody>
+      </p:sp>
+    </p:spTree>
+    <p:extLst>
+      <p:ext uri="{BB962C8B-B14F-4D97-AF65-F5344CB8AC3E}">
+        <p14:creationId xmlns:p14="http://schemas.microsoft.com/office/powerpoint/2010/main" val="2400284237"/>
+      </p:ext>
+    </p:extLst>
+  </p:cSld>
+  <p:clrMapOvr>
+    <a:masterClrMapping/>
+  </p:clrMapOvr>
+</p:sld>
+</file>
+
+<file path=ppt/slides/slide17.xml><?xml version="1.0" encoding="utf-8"?>
+<p:sld xmlns:a="http://schemas.openxmlformats.org/drawingml/2006/main" xmlns:r="http://schemas.openxmlformats.org/officeDocument/2006/relationships" xmlns:p="http://schemas.openxmlformats.org/presentationml/2006/main">
+  <p:cSld>
+    <p:bg>
+      <p:bgPr>
+        <a:solidFill>
+          <a:schemeClr val="bg1"/>
+        </a:solidFill>
+        <a:effectLst/>
+      </p:bgPr>
+    </p:bg>
+    <p:spTree>
+      <p:nvGrpSpPr>
+        <p:cNvPr id="1" name=""/>
+        <p:cNvGrpSpPr/>
+        <p:nvPr/>
+      </p:nvGrpSpPr>
+      <p:grpSpPr>
+        <a:xfrm>
+          <a:off x="0" y="0"/>
+          <a:ext cx="0" cy="0"/>
+          <a:chOff x="0" y="0"/>
+          <a:chExt cx="0" cy="0"/>
+        </a:xfrm>
+      </p:grpSpPr>
+      <p:sp>
+        <p:nvSpPr>
           <p:cNvPr id="15" name="Rectangle 8">
             <a:extLst>
               <a:ext uri="{FF2B5EF4-FFF2-40B4-BE49-F238E27FC236}">
@@ -8728,8 +8831,8 @@
           </a:p>
         </p:txBody>
       </p:sp>
-      <mc:AlternateContent xmlns:mc="http://schemas.openxmlformats.org/markup-compatibility/2006">
-        <mc:Choice xmlns:a14="http://schemas.microsoft.com/office/drawing/2010/main" Requires="a14">
+      <mc:AlternateContent xmlns:mc="http://schemas.openxmlformats.org/markup-compatibility/2006" xmlns:a14="http://schemas.microsoft.com/office/drawing/2010/main">
+        <mc:Choice Requires="a14">
           <p:sp>
             <p:nvSpPr>
               <p:cNvPr id="3" name="Segnaposto contenuto 2">
@@ -8748,8 +8851,8 @@
             </p:nvSpPr>
             <p:spPr>
               <a:xfrm>
-                <a:off x="4702588" y="89771"/>
-                <a:ext cx="3427283" cy="4823919"/>
+                <a:off x="4525233" y="149372"/>
+                <a:ext cx="3427283" cy="2696023"/>
               </a:xfrm>
             </p:spPr>
             <p:txBody>
@@ -9125,7 +9228,7 @@
             </p:txBody>
           </p:sp>
         </mc:Choice>
-        <mc:Fallback>
+        <mc:Fallback xmlns="">
           <p:sp>
             <p:nvSpPr>
               <p:cNvPr id="3" name="Segnaposto contenuto 2">
@@ -9144,13 +9247,13 @@
             </p:nvSpPr>
             <p:spPr>
               <a:xfrm>
-                <a:off x="4702588" y="89771"/>
-                <a:ext cx="3427283" cy="4823919"/>
+                <a:off x="4525233" y="149372"/>
+                <a:ext cx="3427283" cy="2696023"/>
               </a:xfrm>
               <a:blipFill>
                 <a:blip r:embed="rId2"/>
                 <a:stretch>
-                  <a:fillRect l="-1776" t="-1264" r="-888"/>
+                  <a:fillRect l="-1776" t="-2262" r="-888" b="-679"/>
                 </a:stretch>
               </a:blipFill>
             </p:spPr>
@@ -9159,7 +9262,7 @@
               <a:lstStyle/>
               <a:p>
                 <a:r>
-                  <a:rPr lang="it-IT">
+                  <a:rPr lang="en-GB">
                     <a:noFill/>
                   </a:rPr>
                   <a:t> </a:t>
@@ -9427,8 +9530,8 @@
           </a:p>
         </p:txBody>
       </p:sp>
-      <mc:AlternateContent xmlns:mc="http://schemas.openxmlformats.org/markup-compatibility/2006">
-        <mc:Choice xmlns:a14="http://schemas.microsoft.com/office/drawing/2010/main" Requires="a14">
+      <mc:AlternateContent xmlns:mc="http://schemas.openxmlformats.org/markup-compatibility/2006" xmlns:a14="http://schemas.microsoft.com/office/drawing/2010/main">
+        <mc:Choice Requires="a14">
           <p:sp>
             <p:nvSpPr>
               <p:cNvPr id="7" name="CasellaDiTesto 6">
@@ -9627,7 +9730,7 @@
             </p:txBody>
           </p:sp>
         </mc:Choice>
-        <mc:Fallback>
+        <mc:Fallback xmlns="">
           <p:sp>
             <p:nvSpPr>
               <p:cNvPr id="7" name="CasellaDiTesto 6">
@@ -9969,7 +10072,7 @@
 </p:sld>
 </file>
 
-<file path=ppt/slides/slide17.xml><?xml version="1.0" encoding="utf-8"?>
+<file path=ppt/slides/slide18.xml><?xml version="1.0" encoding="utf-8"?>
 <p:sld xmlns:a="http://schemas.openxmlformats.org/drawingml/2006/main" xmlns:r="http://schemas.openxmlformats.org/officeDocument/2006/relationships" xmlns:p="http://schemas.openxmlformats.org/presentationml/2006/main">
   <p:cSld>
     <p:bg>
@@ -10642,7 +10745,7 @@
 </p:sld>
 </file>
 
-<file path=ppt/slides/slide18.xml><?xml version="1.0" encoding="utf-8"?>
+<file path=ppt/slides/slide19.xml><?xml version="1.0" encoding="utf-8"?>
 <p:sld xmlns:a="http://schemas.openxmlformats.org/drawingml/2006/main" xmlns:r="http://schemas.openxmlformats.org/officeDocument/2006/relationships" xmlns:p="http://schemas.openxmlformats.org/presentationml/2006/main">
   <p:cSld>
     <p:bg>
@@ -10883,7 +10986,289 @@
 </p:sld>
 </file>
 
-<file path=ppt/slides/slide19.xml><?xml version="1.0" encoding="utf-8"?>
+<file path=ppt/slides/slide2.xml><?xml version="1.0" encoding="utf-8"?>
+<p:sld xmlns:a="http://schemas.openxmlformats.org/drawingml/2006/main" xmlns:r="http://schemas.openxmlformats.org/officeDocument/2006/relationships" xmlns:p="http://schemas.openxmlformats.org/presentationml/2006/main">
+  <p:cSld>
+    <p:bg>
+      <p:bgPr>
+        <a:solidFill>
+          <a:schemeClr val="bg1"/>
+        </a:solidFill>
+        <a:effectLst/>
+      </p:bgPr>
+    </p:bg>
+    <p:spTree>
+      <p:nvGrpSpPr>
+        <p:cNvPr id="1" name=""/>
+        <p:cNvGrpSpPr/>
+        <p:nvPr/>
+      </p:nvGrpSpPr>
+      <p:grpSpPr>
+        <a:xfrm>
+          <a:off x="0" y="0"/>
+          <a:ext cx="0" cy="0"/>
+          <a:chOff x="0" y="0"/>
+          <a:chExt cx="0" cy="0"/>
+        </a:xfrm>
+      </p:grpSpPr>
+      <p:sp>
+        <p:nvSpPr>
+          <p:cNvPr id="8" name="Rectangle 7">
+            <a:extLst>
+              <a:ext uri="{FF2B5EF4-FFF2-40B4-BE49-F238E27FC236}">
+                <a16:creationId xmlns:a16="http://schemas.microsoft.com/office/drawing/2014/main" id="{8D70B121-56F4-4848-B38B-182089D909FA}"/>
+              </a:ext>
+              <a:ext uri="{C183D7F6-B498-43B3-948B-1728B52AA6E4}">
+                <adec:decorative xmlns:adec="http://schemas.microsoft.com/office/drawing/2017/decorative" val="1"/>
+              </a:ext>
+            </a:extLst>
+          </p:cNvPr>
+          <p:cNvSpPr>
+            <a:spLocks noGrp="1" noRot="1" noChangeAspect="1" noMove="1" noResize="1" noEditPoints="1" noAdjustHandles="1" noChangeArrowheads="1" noChangeShapeType="1" noTextEdit="1"/>
+          </p:cNvSpPr>
+          <p:nvPr>
+            <p:extLst>
+              <p:ext uri="{386F3935-93C4-4BCD-93E2-E3B085C9AB24}">
+                <p16:designElem xmlns:p16="http://schemas.microsoft.com/office/powerpoint/2015/main" val="1"/>
+              </p:ext>
+            </p:extLst>
+          </p:nvPr>
+        </p:nvSpPr>
+        <p:spPr bwMode="ltGray">
+          <a:xfrm>
+            <a:off x="321564" y="320040"/>
+            <a:ext cx="11548872" cy="6217920"/>
+          </a:xfrm>
+          <a:prstGeom prst="rect">
+            <a:avLst/>
+          </a:prstGeom>
+          <a:solidFill>
+            <a:schemeClr val="tx1">
+              <a:alpha val="8000"/>
+            </a:schemeClr>
+          </a:solidFill>
+          <a:ln w="127000" cap="sq" cmpd="thinThick">
+            <a:noFill/>
+          </a:ln>
+        </p:spPr>
+        <p:style>
+          <a:lnRef idx="2">
+            <a:schemeClr val="accent1">
+              <a:shade val="50000"/>
+            </a:schemeClr>
+          </a:lnRef>
+          <a:fillRef idx="1">
+            <a:schemeClr val="accent1"/>
+          </a:fillRef>
+          <a:effectRef idx="0">
+            <a:schemeClr val="accent1"/>
+          </a:effectRef>
+          <a:fontRef idx="minor">
+            <a:schemeClr val="lt1"/>
+          </a:fontRef>
+        </p:style>
+        <p:txBody>
+          <a:bodyPr rtlCol="0" anchor="ctr"/>
+          <a:lstStyle/>
+          <a:p>
+            <a:pPr algn="ctr"/>
+            <a:endParaRPr lang="en-US"/>
+          </a:p>
+        </p:txBody>
+      </p:sp>
+      <p:sp>
+        <p:nvSpPr>
+          <p:cNvPr id="2" name="Titolo 1">
+            <a:extLst>
+              <a:ext uri="{FF2B5EF4-FFF2-40B4-BE49-F238E27FC236}">
+                <a16:creationId xmlns:a16="http://schemas.microsoft.com/office/drawing/2014/main" id="{62277737-87BE-48DB-84C1-E2C54F4039CB}"/>
+              </a:ext>
+            </a:extLst>
+          </p:cNvPr>
+          <p:cNvSpPr>
+            <a:spLocks noGrp="1"/>
+          </p:cNvSpPr>
+          <p:nvPr>
+            <p:ph type="title"/>
+          </p:nvPr>
+        </p:nvSpPr>
+        <p:spPr>
+          <a:xfrm>
+            <a:off x="838200" y="963877"/>
+            <a:ext cx="3494362" cy="4930246"/>
+          </a:xfrm>
+        </p:spPr>
+        <p:txBody>
+          <a:bodyPr>
+            <a:normAutofit/>
+          </a:bodyPr>
+          <a:lstStyle/>
+          <a:p>
+            <a:pPr algn="r"/>
+            <a:r>
+              <a:rPr lang="it-IT" sz="7200" dirty="0">
+                <a:solidFill>
+                  <a:schemeClr val="accent1"/>
+                </a:solidFill>
+              </a:rPr>
+              <a:t>Index</a:t>
+            </a:r>
+            <a:endParaRPr lang="en-GB" dirty="0">
+              <a:solidFill>
+                <a:schemeClr val="accent1"/>
+              </a:solidFill>
+            </a:endParaRPr>
+          </a:p>
+        </p:txBody>
+      </p:sp>
+      <p:cxnSp>
+        <p:nvCxnSpPr>
+          <p:cNvPr id="10" name="Straight Connector 9">
+            <a:extLst>
+              <a:ext uri="{FF2B5EF4-FFF2-40B4-BE49-F238E27FC236}">
+                <a16:creationId xmlns:a16="http://schemas.microsoft.com/office/drawing/2014/main" id="{2D72A2C9-F3CA-4216-8BAD-FA4C970C3C4E}"/>
+              </a:ext>
+              <a:ext uri="{C183D7F6-B498-43B3-948B-1728B52AA6E4}">
+                <adec:decorative xmlns:adec="http://schemas.microsoft.com/office/drawing/2017/decorative" val="1"/>
+              </a:ext>
+            </a:extLst>
+          </p:cNvPr>
+          <p:cNvCxnSpPr>
+            <a:cxnSpLocks noGrp="1" noRot="1" noChangeAspect="1" noMove="1" noResize="1" noEditPoints="1" noAdjustHandles="1" noChangeArrowheads="1" noChangeShapeType="1"/>
+          </p:cNvCxnSpPr>
+          <p:nvPr>
+            <p:extLst>
+              <p:ext uri="{386F3935-93C4-4BCD-93E2-E3B085C9AB24}">
+                <p16:designElem xmlns:p16="http://schemas.microsoft.com/office/powerpoint/2015/main" val="1"/>
+              </p:ext>
+            </p:extLst>
+          </p:nvPr>
+        </p:nvCxnSpPr>
+        <p:spPr>
+          <a:xfrm>
+            <a:off x="4654296" y="2057400"/>
+            <a:ext cx="0" cy="2743200"/>
+          </a:xfrm>
+          <a:prstGeom prst="line">
+            <a:avLst/>
+          </a:prstGeom>
+          <a:ln w="19050">
+            <a:solidFill>
+              <a:schemeClr val="tx1">
+                <a:lumMod val="85000"/>
+                <a:lumOff val="15000"/>
+              </a:schemeClr>
+            </a:solidFill>
+          </a:ln>
+        </p:spPr>
+        <p:style>
+          <a:lnRef idx="1">
+            <a:schemeClr val="accent1"/>
+          </a:lnRef>
+          <a:fillRef idx="0">
+            <a:schemeClr val="accent1"/>
+          </a:fillRef>
+          <a:effectRef idx="0">
+            <a:schemeClr val="accent1"/>
+          </a:effectRef>
+          <a:fontRef idx="minor">
+            <a:schemeClr val="tx1"/>
+          </a:fontRef>
+        </p:style>
+      </p:cxnSp>
+      <p:sp>
+        <p:nvSpPr>
+          <p:cNvPr id="3" name="Segnaposto contenuto 2">
+            <a:extLst>
+              <a:ext uri="{FF2B5EF4-FFF2-40B4-BE49-F238E27FC236}">
+                <a16:creationId xmlns:a16="http://schemas.microsoft.com/office/drawing/2014/main" id="{B9B5C5C8-068F-41DC-A0AD-2FF2AD3E45B8}"/>
+              </a:ext>
+            </a:extLst>
+          </p:cNvPr>
+          <p:cNvSpPr>
+            <a:spLocks noGrp="1"/>
+          </p:cNvSpPr>
+          <p:nvPr>
+            <p:ph idx="1"/>
+          </p:nvPr>
+        </p:nvSpPr>
+        <p:spPr>
+          <a:xfrm>
+            <a:off x="4976031" y="1245231"/>
+            <a:ext cx="6377769" cy="4930246"/>
+          </a:xfrm>
+        </p:spPr>
+        <p:txBody>
+          <a:bodyPr anchor="ctr">
+            <a:normAutofit/>
+          </a:bodyPr>
+          <a:lstStyle/>
+          <a:p>
+            <a:r>
+              <a:rPr lang="it-IT" sz="2400" dirty="0" err="1"/>
+              <a:t>Introduction</a:t>
+            </a:r>
+            <a:endParaRPr lang="it-IT" sz="2400" dirty="0"/>
+          </a:p>
+          <a:p>
+            <a:r>
+              <a:rPr lang="it-IT" sz="2400" dirty="0"/>
+              <a:t>Mathematical </a:t>
+            </a:r>
+            <a:r>
+              <a:rPr lang="en-GB" sz="2400" dirty="0"/>
+              <a:t>formulation</a:t>
+            </a:r>
+            <a:r>
+              <a:rPr lang="it-IT" sz="2400" dirty="0"/>
+              <a:t> of the </a:t>
+            </a:r>
+            <a:r>
+              <a:rPr lang="it-IT" sz="2400" dirty="0" err="1"/>
+              <a:t>problem</a:t>
+            </a:r>
+            <a:endParaRPr lang="it-IT" sz="2400" dirty="0"/>
+          </a:p>
+          <a:p>
+            <a:r>
+              <a:rPr lang="en-GB" sz="2400" dirty="0"/>
+              <a:t>Mono-criteria algorithms</a:t>
+            </a:r>
+          </a:p>
+          <a:p>
+            <a:r>
+              <a:rPr lang="en-GB" sz="2400" dirty="0"/>
+              <a:t>Bicriteria algorithms</a:t>
+            </a:r>
+          </a:p>
+          <a:p>
+            <a:r>
+              <a:rPr lang="en-GB" sz="2400" dirty="0"/>
+              <a:t>Implementation choices</a:t>
+            </a:r>
+          </a:p>
+          <a:p>
+            <a:pPr marL="0" indent="0">
+              <a:buNone/>
+            </a:pPr>
+            <a:endParaRPr lang="en-GB" sz="2400" dirty="0"/>
+          </a:p>
+        </p:txBody>
+      </p:sp>
+    </p:spTree>
+    <p:extLst>
+      <p:ext uri="{BB962C8B-B14F-4D97-AF65-F5344CB8AC3E}">
+        <p14:creationId xmlns:p14="http://schemas.microsoft.com/office/powerpoint/2010/main" val="2726699897"/>
+      </p:ext>
+    </p:extLst>
+  </p:cSld>
+  <p:clrMapOvr>
+    <a:masterClrMapping/>
+  </p:clrMapOvr>
+</p:sld>
+</file>
+
+<file path=ppt/slides/slide20.xml><?xml version="1.0" encoding="utf-8"?>
 <p:sld xmlns:a="http://schemas.openxmlformats.org/drawingml/2006/main" xmlns:r="http://schemas.openxmlformats.org/officeDocument/2006/relationships" xmlns:p="http://schemas.openxmlformats.org/presentationml/2006/main">
   <p:cSld>
     <p:spTree>
@@ -12264,289 +12649,7 @@
 </p:sld>
 </file>
 
-<file path=ppt/slides/slide2.xml><?xml version="1.0" encoding="utf-8"?>
-<p:sld xmlns:a="http://schemas.openxmlformats.org/drawingml/2006/main" xmlns:r="http://schemas.openxmlformats.org/officeDocument/2006/relationships" xmlns:p="http://schemas.openxmlformats.org/presentationml/2006/main">
-  <p:cSld>
-    <p:bg>
-      <p:bgPr>
-        <a:solidFill>
-          <a:schemeClr val="bg1"/>
-        </a:solidFill>
-        <a:effectLst/>
-      </p:bgPr>
-    </p:bg>
-    <p:spTree>
-      <p:nvGrpSpPr>
-        <p:cNvPr id="1" name=""/>
-        <p:cNvGrpSpPr/>
-        <p:nvPr/>
-      </p:nvGrpSpPr>
-      <p:grpSpPr>
-        <a:xfrm>
-          <a:off x="0" y="0"/>
-          <a:ext cx="0" cy="0"/>
-          <a:chOff x="0" y="0"/>
-          <a:chExt cx="0" cy="0"/>
-        </a:xfrm>
-      </p:grpSpPr>
-      <p:sp>
-        <p:nvSpPr>
-          <p:cNvPr id="8" name="Rectangle 7">
-            <a:extLst>
-              <a:ext uri="{FF2B5EF4-FFF2-40B4-BE49-F238E27FC236}">
-                <a16:creationId xmlns:a16="http://schemas.microsoft.com/office/drawing/2014/main" id="{8D70B121-56F4-4848-B38B-182089D909FA}"/>
-              </a:ext>
-              <a:ext uri="{C183D7F6-B498-43B3-948B-1728B52AA6E4}">
-                <adec:decorative xmlns:adec="http://schemas.microsoft.com/office/drawing/2017/decorative" val="1"/>
-              </a:ext>
-            </a:extLst>
-          </p:cNvPr>
-          <p:cNvSpPr>
-            <a:spLocks noGrp="1" noRot="1" noChangeAspect="1" noMove="1" noResize="1" noEditPoints="1" noAdjustHandles="1" noChangeArrowheads="1" noChangeShapeType="1" noTextEdit="1"/>
-          </p:cNvSpPr>
-          <p:nvPr>
-            <p:extLst>
-              <p:ext uri="{386F3935-93C4-4BCD-93E2-E3B085C9AB24}">
-                <p16:designElem xmlns:p16="http://schemas.microsoft.com/office/powerpoint/2015/main" val="1"/>
-              </p:ext>
-            </p:extLst>
-          </p:nvPr>
-        </p:nvSpPr>
-        <p:spPr bwMode="ltGray">
-          <a:xfrm>
-            <a:off x="321564" y="320040"/>
-            <a:ext cx="11548872" cy="6217920"/>
-          </a:xfrm>
-          <a:prstGeom prst="rect">
-            <a:avLst/>
-          </a:prstGeom>
-          <a:solidFill>
-            <a:schemeClr val="tx1">
-              <a:alpha val="8000"/>
-            </a:schemeClr>
-          </a:solidFill>
-          <a:ln w="127000" cap="sq" cmpd="thinThick">
-            <a:noFill/>
-          </a:ln>
-        </p:spPr>
-        <p:style>
-          <a:lnRef idx="2">
-            <a:schemeClr val="accent1">
-              <a:shade val="50000"/>
-            </a:schemeClr>
-          </a:lnRef>
-          <a:fillRef idx="1">
-            <a:schemeClr val="accent1"/>
-          </a:fillRef>
-          <a:effectRef idx="0">
-            <a:schemeClr val="accent1"/>
-          </a:effectRef>
-          <a:fontRef idx="minor">
-            <a:schemeClr val="lt1"/>
-          </a:fontRef>
-        </p:style>
-        <p:txBody>
-          <a:bodyPr rtlCol="0" anchor="ctr"/>
-          <a:lstStyle/>
-          <a:p>
-            <a:pPr algn="ctr"/>
-            <a:endParaRPr lang="en-US"/>
-          </a:p>
-        </p:txBody>
-      </p:sp>
-      <p:sp>
-        <p:nvSpPr>
-          <p:cNvPr id="2" name="Titolo 1">
-            <a:extLst>
-              <a:ext uri="{FF2B5EF4-FFF2-40B4-BE49-F238E27FC236}">
-                <a16:creationId xmlns:a16="http://schemas.microsoft.com/office/drawing/2014/main" id="{62277737-87BE-48DB-84C1-E2C54F4039CB}"/>
-              </a:ext>
-            </a:extLst>
-          </p:cNvPr>
-          <p:cNvSpPr>
-            <a:spLocks noGrp="1"/>
-          </p:cNvSpPr>
-          <p:nvPr>
-            <p:ph type="title"/>
-          </p:nvPr>
-        </p:nvSpPr>
-        <p:spPr>
-          <a:xfrm>
-            <a:off x="838200" y="963877"/>
-            <a:ext cx="3494362" cy="4930246"/>
-          </a:xfrm>
-        </p:spPr>
-        <p:txBody>
-          <a:bodyPr>
-            <a:normAutofit/>
-          </a:bodyPr>
-          <a:lstStyle/>
-          <a:p>
-            <a:pPr algn="r"/>
-            <a:r>
-              <a:rPr lang="it-IT" sz="7200" dirty="0">
-                <a:solidFill>
-                  <a:schemeClr val="accent1"/>
-                </a:solidFill>
-              </a:rPr>
-              <a:t>Index</a:t>
-            </a:r>
-            <a:endParaRPr lang="en-GB" dirty="0">
-              <a:solidFill>
-                <a:schemeClr val="accent1"/>
-              </a:solidFill>
-            </a:endParaRPr>
-          </a:p>
-        </p:txBody>
-      </p:sp>
-      <p:cxnSp>
-        <p:nvCxnSpPr>
-          <p:cNvPr id="10" name="Straight Connector 9">
-            <a:extLst>
-              <a:ext uri="{FF2B5EF4-FFF2-40B4-BE49-F238E27FC236}">
-                <a16:creationId xmlns:a16="http://schemas.microsoft.com/office/drawing/2014/main" id="{2D72A2C9-F3CA-4216-8BAD-FA4C970C3C4E}"/>
-              </a:ext>
-              <a:ext uri="{C183D7F6-B498-43B3-948B-1728B52AA6E4}">
-                <adec:decorative xmlns:adec="http://schemas.microsoft.com/office/drawing/2017/decorative" val="1"/>
-              </a:ext>
-            </a:extLst>
-          </p:cNvPr>
-          <p:cNvCxnSpPr>
-            <a:cxnSpLocks noGrp="1" noRot="1" noChangeAspect="1" noMove="1" noResize="1" noEditPoints="1" noAdjustHandles="1" noChangeArrowheads="1" noChangeShapeType="1"/>
-          </p:cNvCxnSpPr>
-          <p:nvPr>
-            <p:extLst>
-              <p:ext uri="{386F3935-93C4-4BCD-93E2-E3B085C9AB24}">
-                <p16:designElem xmlns:p16="http://schemas.microsoft.com/office/powerpoint/2015/main" val="1"/>
-              </p:ext>
-            </p:extLst>
-          </p:nvPr>
-        </p:nvCxnSpPr>
-        <p:spPr>
-          <a:xfrm>
-            <a:off x="4654296" y="2057400"/>
-            <a:ext cx="0" cy="2743200"/>
-          </a:xfrm>
-          <a:prstGeom prst="line">
-            <a:avLst/>
-          </a:prstGeom>
-          <a:ln w="19050">
-            <a:solidFill>
-              <a:schemeClr val="tx1">
-                <a:lumMod val="85000"/>
-                <a:lumOff val="15000"/>
-              </a:schemeClr>
-            </a:solidFill>
-          </a:ln>
-        </p:spPr>
-        <p:style>
-          <a:lnRef idx="1">
-            <a:schemeClr val="accent1"/>
-          </a:lnRef>
-          <a:fillRef idx="0">
-            <a:schemeClr val="accent1"/>
-          </a:fillRef>
-          <a:effectRef idx="0">
-            <a:schemeClr val="accent1"/>
-          </a:effectRef>
-          <a:fontRef idx="minor">
-            <a:schemeClr val="tx1"/>
-          </a:fontRef>
-        </p:style>
-      </p:cxnSp>
-      <p:sp>
-        <p:nvSpPr>
-          <p:cNvPr id="3" name="Segnaposto contenuto 2">
-            <a:extLst>
-              <a:ext uri="{FF2B5EF4-FFF2-40B4-BE49-F238E27FC236}">
-                <a16:creationId xmlns:a16="http://schemas.microsoft.com/office/drawing/2014/main" id="{B9B5C5C8-068F-41DC-A0AD-2FF2AD3E45B8}"/>
-              </a:ext>
-            </a:extLst>
-          </p:cNvPr>
-          <p:cNvSpPr>
-            <a:spLocks noGrp="1"/>
-          </p:cNvSpPr>
-          <p:nvPr>
-            <p:ph idx="1"/>
-          </p:nvPr>
-        </p:nvSpPr>
-        <p:spPr>
-          <a:xfrm>
-            <a:off x="4976031" y="1245231"/>
-            <a:ext cx="6377769" cy="4930246"/>
-          </a:xfrm>
-        </p:spPr>
-        <p:txBody>
-          <a:bodyPr anchor="ctr">
-            <a:normAutofit/>
-          </a:bodyPr>
-          <a:lstStyle/>
-          <a:p>
-            <a:r>
-              <a:rPr lang="it-IT" sz="2400" dirty="0" err="1"/>
-              <a:t>Introduction</a:t>
-            </a:r>
-            <a:endParaRPr lang="it-IT" sz="2400" dirty="0"/>
-          </a:p>
-          <a:p>
-            <a:r>
-              <a:rPr lang="it-IT" sz="2400" dirty="0"/>
-              <a:t>Mathematical </a:t>
-            </a:r>
-            <a:r>
-              <a:rPr lang="en-GB" sz="2400" dirty="0"/>
-              <a:t>formulation</a:t>
-            </a:r>
-            <a:r>
-              <a:rPr lang="it-IT" sz="2400" dirty="0"/>
-              <a:t> of the </a:t>
-            </a:r>
-            <a:r>
-              <a:rPr lang="it-IT" sz="2400" dirty="0" err="1"/>
-              <a:t>problem</a:t>
-            </a:r>
-            <a:endParaRPr lang="it-IT" sz="2400" dirty="0"/>
-          </a:p>
-          <a:p>
-            <a:r>
-              <a:rPr lang="en-GB" sz="2400" dirty="0"/>
-              <a:t>Mono-criteria algorithms</a:t>
-            </a:r>
-          </a:p>
-          <a:p>
-            <a:r>
-              <a:rPr lang="en-GB" sz="2400" dirty="0"/>
-              <a:t>Bicriteria algorithms</a:t>
-            </a:r>
-          </a:p>
-          <a:p>
-            <a:r>
-              <a:rPr lang="en-GB" sz="2400" dirty="0"/>
-              <a:t>Implementation choices</a:t>
-            </a:r>
-          </a:p>
-          <a:p>
-            <a:pPr marL="0" indent="0">
-              <a:buNone/>
-            </a:pPr>
-            <a:endParaRPr lang="en-GB" sz="2400" dirty="0"/>
-          </a:p>
-        </p:txBody>
-      </p:sp>
-    </p:spTree>
-    <p:extLst>
-      <p:ext uri="{BB962C8B-B14F-4D97-AF65-F5344CB8AC3E}">
-        <p14:creationId xmlns:p14="http://schemas.microsoft.com/office/powerpoint/2010/main" val="2726699897"/>
-      </p:ext>
-    </p:extLst>
-  </p:cSld>
-  <p:clrMapOvr>
-    <a:masterClrMapping/>
-  </p:clrMapOvr>
-</p:sld>
-</file>
-
-<file path=ppt/slides/slide20.xml><?xml version="1.0" encoding="utf-8"?>
+<file path=ppt/slides/slide21.xml><?xml version="1.0" encoding="utf-8"?>
 <p:sld xmlns:a="http://schemas.openxmlformats.org/drawingml/2006/main" xmlns:r="http://schemas.openxmlformats.org/officeDocument/2006/relationships" xmlns:p="http://schemas.openxmlformats.org/presentationml/2006/main">
   <p:cSld>
     <p:spTree>
@@ -13054,7 +13157,7 @@
 </p:sld>
 </file>
 
-<file path=ppt/slides/slide21.xml><?xml version="1.0" encoding="utf-8"?>
+<file path=ppt/slides/slide22.xml><?xml version="1.0" encoding="utf-8"?>
 <p:sld xmlns:a="http://schemas.openxmlformats.org/drawingml/2006/main" xmlns:r="http://schemas.openxmlformats.org/officeDocument/2006/relationships" xmlns:p="http://schemas.openxmlformats.org/presentationml/2006/main">
   <p:cSld>
     <p:spTree>
@@ -13508,7 +13611,7 @@
 </p:sld>
 </file>
 
-<file path=ppt/slides/slide22.xml><?xml version="1.0" encoding="utf-8"?>
+<file path=ppt/slides/slide23.xml><?xml version="1.0" encoding="utf-8"?>
 <p:sld xmlns:a="http://schemas.openxmlformats.org/drawingml/2006/main" xmlns:r="http://schemas.openxmlformats.org/officeDocument/2006/relationships" xmlns:p="http://schemas.openxmlformats.org/presentationml/2006/main">
   <p:cSld>
     <p:bg>
@@ -13695,7 +13798,7 @@
 </p:sld>
 </file>
 
-<file path=ppt/slides/slide23.xml><?xml version="1.0" encoding="utf-8"?>
+<file path=ppt/slides/slide24.xml><?xml version="1.0" encoding="utf-8"?>
 <p:sld xmlns:a="http://schemas.openxmlformats.org/drawingml/2006/main" xmlns:r="http://schemas.openxmlformats.org/officeDocument/2006/relationships" xmlns:p="http://schemas.openxmlformats.org/presentationml/2006/main">
   <p:cSld>
     <p:spTree>
@@ -14124,7 +14227,7 @@
 </p:sld>
 </file>
 
-<file path=ppt/slides/slide24.xml><?xml version="1.0" encoding="utf-8"?>
+<file path=ppt/slides/slide25.xml><?xml version="1.0" encoding="utf-8"?>
 <p:sld xmlns:a="http://schemas.openxmlformats.org/drawingml/2006/main" xmlns:r="http://schemas.openxmlformats.org/officeDocument/2006/relationships" xmlns:p="http://schemas.openxmlformats.org/presentationml/2006/main">
   <p:cSld>
     <p:bg>
@@ -14809,7 +14912,7 @@
 </p:sld>
 </file>
 
-<file path=ppt/slides/slide25.xml><?xml version="1.0" encoding="utf-8"?>
+<file path=ppt/slides/slide26.xml><?xml version="1.0" encoding="utf-8"?>
 <p:sld xmlns:a="http://schemas.openxmlformats.org/drawingml/2006/main" xmlns:r="http://schemas.openxmlformats.org/officeDocument/2006/relationships" xmlns:p="http://schemas.openxmlformats.org/presentationml/2006/main">
   <p:cSld>
     <p:spTree>
@@ -14900,7 +15003,7 @@
           <a:graphicData uri="http://schemas.openxmlformats.org/presentationml/2006/ole">
             <mc:AlternateContent xmlns:mc="http://schemas.openxmlformats.org/markup-compatibility/2006">
               <mc:Choice xmlns:v="urn:schemas-microsoft-com:vml" Requires="v">
-                <p:oleObj spid="_x0000_s2129" name="Worksheet" r:id="rId3" imgW="8953268" imgH="4143404" progId="Excel.Sheet.12">
+                <p:oleObj spid="_x0000_s1100" name="Worksheet" r:id="rId3" imgW="8953268" imgH="4143404" progId="Excel.Sheet.12">
                   <p:embed/>
                 </p:oleObj>
               </mc:Choice>
@@ -14909,7 +15012,13 @@
                   <p:embed/>
                   <p:pic>
                     <p:nvPicPr>
-                      <p:cNvPr id="0" name=""/>
+                      <p:cNvPr id="5" name="Oggetto 4">
+                        <a:extLst>
+                          <a:ext uri="{FF2B5EF4-FFF2-40B4-BE49-F238E27FC236}">
+                            <a16:creationId xmlns:a16="http://schemas.microsoft.com/office/drawing/2014/main" id="{77F3F4CA-C945-4218-B6B8-36FFF8B5229F}"/>
+                          </a:ext>
+                        </a:extLst>
+                      </p:cNvPr>
                       <p:cNvPicPr/>
                       <p:nvPr/>
                     </p:nvPicPr>
@@ -15001,7 +15110,7 @@
 </p:sld>
 </file>
 
-<file path=ppt/slides/slide26.xml><?xml version="1.0" encoding="utf-8"?>
+<file path=ppt/slides/slide27.xml><?xml version="1.0" encoding="utf-8"?>
 <p:sld xmlns:a="http://schemas.openxmlformats.org/drawingml/2006/main" xmlns:r="http://schemas.openxmlformats.org/officeDocument/2006/relationships" xmlns:p="http://schemas.openxmlformats.org/presentationml/2006/main">
   <p:cSld>
     <p:spTree>
@@ -15572,7 +15681,7 @@
 </p:sld>
 </file>
 
-<file path=ppt/slides/slide27.xml><?xml version="1.0" encoding="utf-8"?>
+<file path=ppt/slides/slide28.xml><?xml version="1.0" encoding="utf-8"?>
 <p:sld xmlns:a="http://schemas.openxmlformats.org/drawingml/2006/main" xmlns:r="http://schemas.openxmlformats.org/officeDocument/2006/relationships" xmlns:p="http://schemas.openxmlformats.org/presentationml/2006/main">
   <p:cSld>
     <p:bg>
@@ -18897,6 +19006,61 @@
           </p:sp>
         </mc:Fallback>
       </mc:AlternateContent>
+      <p:sp>
+        <p:nvSpPr>
+          <p:cNvPr id="4" name="TextBox 3">
+            <a:extLst>
+              <a:ext uri="{FF2B5EF4-FFF2-40B4-BE49-F238E27FC236}">
+                <a16:creationId xmlns:a16="http://schemas.microsoft.com/office/drawing/2014/main" id="{6D2BB55C-2AC9-4871-B8EB-A6C458DDAFD0}"/>
+              </a:ext>
+            </a:extLst>
+          </p:cNvPr>
+          <p:cNvSpPr txBox="1"/>
+          <p:nvPr/>
+        </p:nvSpPr>
+        <p:spPr>
+          <a:xfrm>
+            <a:off x="9253268" y="5126966"/>
+            <a:ext cx="2743200" cy="1015663"/>
+          </a:xfrm>
+          <a:prstGeom prst="rect">
+            <a:avLst/>
+          </a:prstGeom>
+          <a:noFill/>
+        </p:spPr>
+        <p:txBody>
+          <a:bodyPr rot="0" spcFirstLastPara="0" vertOverflow="overflow" horzOverflow="overflow" vert="horz" wrap="square" lIns="91440" tIns="45720" rIns="91440" bIns="45720" numCol="1" spcCol="0" rtlCol="0" fromWordArt="0" anchor="t" anchorCtr="0" forceAA="0" compatLnSpc="1">
+            <a:prstTxWarp prst="textNoShape">
+              <a:avLst/>
+            </a:prstTxWarp>
+            <a:spAutoFit/>
+          </a:bodyPr>
+          <a:lstStyle/>
+          <a:p>
+            <a:pPr algn="l"/>
+            <a:r>
+              <a:rPr lang="it-IT" sz="2000" dirty="0" err="1"/>
+              <a:t>Distance</a:t>
+            </a:r>
+            <a:endParaRPr lang="it-IT" sz="2000" dirty="0" err="1">
+              <a:cs typeface="Segoe UI Light"/>
+            </a:endParaRPr>
+          </a:p>
+          <a:p>
+            <a:endParaRPr lang="it-IT" sz="2000" dirty="0">
+              <a:cs typeface="Segoe UI Light"/>
+            </a:endParaRPr>
+          </a:p>
+          <a:p>
+            <a:r>
+              <a:rPr lang="it-IT" sz="2000" dirty="0" err="1">
+                <a:cs typeface="Segoe UI Light"/>
+              </a:rPr>
+              <a:t>Danger</a:t>
+            </a:r>
+          </a:p>
+        </p:txBody>
+      </p:sp>
     </p:spTree>
     <p:extLst>
       <p:ext uri="{BB962C8B-B14F-4D97-AF65-F5344CB8AC3E}">
@@ -19232,6 +19396,59 @@
                       </p:childTnLst>
                     </p:cTn>
                   </p:par>
+                  <p:par>
+                    <p:cTn id="32" fill="hold">
+                      <p:stCondLst>
+                        <p:cond delay="indefinite"/>
+                      </p:stCondLst>
+                      <p:childTnLst>
+                        <p:par>
+                          <p:cTn id="33" fill="hold">
+                            <p:stCondLst>
+                              <p:cond delay="0"/>
+                            </p:stCondLst>
+                            <p:childTnLst>
+                              <p:par>
+                                <p:cTn id="34" presetID="10" presetClass="entr" presetSubtype="0" fill="hold" grpId="0" nodeType="clickEffect">
+                                  <p:stCondLst>
+                                    <p:cond delay="0"/>
+                                  </p:stCondLst>
+                                  <p:childTnLst>
+                                    <p:set>
+                                      <p:cBhvr>
+                                        <p:cTn id="35" dur="1" fill="hold">
+                                          <p:stCondLst>
+                                            <p:cond delay="0"/>
+                                          </p:stCondLst>
+                                        </p:cTn>
+                                        <p:tgtEl>
+                                          <p:spTgt spid="4"/>
+                                        </p:tgtEl>
+                                        <p:attrNameLst>
+                                          <p:attrName>style.visibility</p:attrName>
+                                        </p:attrNameLst>
+                                      </p:cBhvr>
+                                      <p:to>
+                                        <p:strVal val="visible"/>
+                                      </p:to>
+                                    </p:set>
+                                    <p:animEffect transition="in" filter="fade">
+                                      <p:cBhvr>
+                                        <p:cTn id="36" dur="500"/>
+                                        <p:tgtEl>
+                                          <p:spTgt spid="4"/>
+                                        </p:tgtEl>
+                                      </p:cBhvr>
+                                    </p:animEffect>
+                                  </p:childTnLst>
+                                </p:cTn>
+                              </p:par>
+                            </p:childTnLst>
+                          </p:cTn>
+                        </p:par>
+                      </p:childTnLst>
+                    </p:cTn>
+                  </p:par>
                 </p:childTnLst>
               </p:cTn>
               <p:prevCondLst>
@@ -19260,6 +19477,7 @@
       <p:bldP spid="20" grpId="0" animBg="1"/>
       <p:bldP spid="21" grpId="0"/>
       <p:bldP spid="22" grpId="0"/>
+      <p:bldP spid="4" grpId="0"/>
     </p:bldLst>
   </p:timing>
 </p:sld>
@@ -20003,8 +20221,8 @@
         </p:nvSpPr>
         <p:spPr>
           <a:xfrm>
-            <a:off x="4623064" y="5384028"/>
-            <a:ext cx="4391707" cy="461665"/>
+            <a:off x="3487253" y="5427160"/>
+            <a:ext cx="6994009" cy="1261884"/>
           </a:xfrm>
           <a:prstGeom prst="rect">
             <a:avLst/>
@@ -20012,7 +20230,7 @@
           <a:noFill/>
         </p:spPr>
         <p:txBody>
-          <a:bodyPr wrap="square" rtlCol="0">
+          <a:bodyPr wrap="square" rtlCol="0" anchor="t">
             <a:spAutoFit/>
           </a:bodyPr>
           <a:lstStyle/>
@@ -20031,19 +20249,41 @@
             </a:r>
             <a:r>
               <a:rPr lang="it-IT" sz="2400" b="1" dirty="0"/>
-              <a:t>(</a:t>
+              <a:t>((</a:t>
             </a:r>
             <a:r>
               <a:rPr lang="it-IT" sz="2400" b="1" i="1" dirty="0"/>
               <a:t>|</a:t>
             </a:r>
             <a:r>
+              <a:rPr lang="it-IT" sz="2400" b="1" dirty="0">
+                <a:ea typeface="+mn-lt"/>
+                <a:cs typeface="+mn-lt"/>
+              </a:rPr>
+              <a:t>N</a:t>
+            </a:r>
+            <a:r>
+              <a:rPr lang="it-IT" sz="2400" b="1" i="1" dirty="0">
+                <a:ea typeface="+mn-lt"/>
+                <a:cs typeface="+mn-lt"/>
+              </a:rPr>
+              <a:t>| + |</a:t>
+            </a:r>
+            <a:r>
               <a:rPr lang="it-IT" sz="2400" b="1" dirty="0"/>
               <a:t>A</a:t>
             </a:r>
             <a:r>
               <a:rPr lang="it-IT" sz="2400" b="1" i="1" dirty="0"/>
-              <a:t>| </a:t>
+              <a:t>|</a:t>
+            </a:r>
+            <a:r>
+              <a:rPr lang="it-IT" sz="2400" b="1" dirty="0"/>
+              <a:t>)</a:t>
+            </a:r>
+            <a:r>
+              <a:rPr lang="it-IT" sz="2400" b="1" i="1" dirty="0"/>
+              <a:t> </a:t>
             </a:r>
             <a:r>
               <a:rPr lang="it-IT" sz="2400" b="1" dirty="0"/>
@@ -20055,7 +20295,7 @@
             </a:r>
             <a:r>
               <a:rPr lang="it-IT" sz="2400" b="1" dirty="0"/>
-              <a:t>V</a:t>
+              <a:t>N</a:t>
             </a:r>
             <a:r>
               <a:rPr lang="it-IT" sz="2400" b="1" i="1" dirty="0"/>
@@ -20065,7 +20305,90 @@
               <a:rPr lang="it-IT" sz="2400" b="1" dirty="0"/>
               <a:t>)</a:t>
             </a:r>
-            <a:endParaRPr lang="en-GB" sz="2400" b="1" dirty="0"/>
+            <a:endParaRPr lang="it-IT" sz="2000" dirty="0"/>
+          </a:p>
+          <a:p>
+            <a:br>
+              <a:rPr lang="it-IT" sz="2400" b="1" dirty="0">
+                <a:cs typeface="Segoe UI Light"/>
+              </a:rPr>
+            </a:br>
+            <a:r>
+              <a:rPr lang="it-IT" sz="2000" dirty="0" err="1">
+                <a:cs typeface="Segoe UI Light"/>
+              </a:rPr>
+              <a:t>When</a:t>
+            </a:r>
+            <a:r>
+              <a:rPr lang="it-IT" sz="2000" dirty="0">
+                <a:cs typeface="Segoe UI Light"/>
+              </a:rPr>
+              <a:t> A&gt;&gt;N</a:t>
+            </a:r>
+            <a:r>
+              <a:rPr lang="it-IT" sz="2800" dirty="0">
+                <a:cs typeface="Segoe UI Light"/>
+              </a:rPr>
+              <a:t>→</a:t>
+            </a:r>
+            <a:r>
+              <a:rPr lang="it-IT" sz="2000" dirty="0">
+                <a:cs typeface="Segoe UI Light"/>
+              </a:rPr>
+              <a:t>(</a:t>
+            </a:r>
+            <a:r>
+              <a:rPr lang="it-IT" sz="2000" i="1" dirty="0">
+                <a:ea typeface="+mn-lt"/>
+                <a:cs typeface="+mn-lt"/>
+              </a:rPr>
+              <a:t>|</a:t>
+            </a:r>
+            <a:r>
+              <a:rPr lang="it-IT" sz="2000" dirty="0">
+                <a:ea typeface="+mn-lt"/>
+                <a:cs typeface="+mn-lt"/>
+              </a:rPr>
+              <a:t>A</a:t>
+            </a:r>
+            <a:r>
+              <a:rPr lang="it-IT" sz="2000" i="1" dirty="0">
+                <a:ea typeface="+mn-lt"/>
+                <a:cs typeface="+mn-lt"/>
+              </a:rPr>
+              <a:t>| </a:t>
+            </a:r>
+            <a:r>
+              <a:rPr lang="it-IT" sz="2000" i="1" dirty="0" err="1">
+                <a:ea typeface="+mn-lt"/>
+                <a:cs typeface="+mn-lt"/>
+              </a:rPr>
+              <a:t>log|</a:t>
+            </a:r>
+            <a:r>
+              <a:rPr lang="it-IT" sz="2000" dirty="0" err="1">
+                <a:ea typeface="+mn-lt"/>
+                <a:cs typeface="+mn-lt"/>
+              </a:rPr>
+              <a:t>N</a:t>
+            </a:r>
+            <a:r>
+              <a:rPr lang="it-IT" sz="2000" i="1" dirty="0">
+                <a:ea typeface="+mn-lt"/>
+                <a:cs typeface="+mn-lt"/>
+              </a:rPr>
+              <a:t>|</a:t>
+            </a:r>
+            <a:r>
+              <a:rPr lang="it-IT" sz="2000" dirty="0">
+                <a:ea typeface="+mn-lt"/>
+                <a:cs typeface="+mn-lt"/>
+              </a:rPr>
+              <a:t>)</a:t>
+            </a:r>
+            <a:endParaRPr lang="it-IT" sz="2000" dirty="0">
+              <a:cs typeface="Segoe UI Light"/>
+            </a:endParaRPr>
           </a:p>
         </p:txBody>
       </p:sp>

--- a/notes/Bicriteria Paths Problem.pptx
+++ b/notes/Bicriteria Paths Problem.pptx
@@ -185,6 +185,15 @@
 </p:cmAuthorLst>
 </file>
 
+<file path=ppt/revisionInfo.xml><?xml version="1.0" encoding="utf-8"?>
+<p1510:revInfo xmlns:a="http://schemas.openxmlformats.org/drawingml/2006/main" xmlns:r="http://schemas.openxmlformats.org/officeDocument/2006/relationships" xmlns:p1510="http://schemas.microsoft.com/office/powerpoint/2015/10/main">
+  <p1510:revLst>
+    <p1510:client id="{61A6923B-F108-482B-B7FE-0860B9347E73}" v="6" dt="2019-06-12T17:15:20.480"/>
+    <p1510:client id="{B7676795-C930-43E5-92F8-A7C4D300668E}" v="14" dt="2019-06-12T14:21:23.854"/>
+  </p1510:revLst>
+</p1510:revInfo>
+</file>
+
 <file path=ppt/comments/comment1.xml><?xml version="1.0" encoding="utf-8"?>
 <p:cmLst xmlns:a="http://schemas.openxmlformats.org/drawingml/2006/main" xmlns:r="http://schemas.openxmlformats.org/officeDocument/2006/relationships" xmlns:p="http://schemas.openxmlformats.org/presentationml/2006/main">
   <p:cm authorId="2" dt="2019-06-04T10:49:22.491" idx="1">
@@ -295,7 +304,7 @@
             <a:pPr rtl="0"/>
             <a:fld id="{EB190EFE-CCCB-4DCD-B1CF-8C3CB119D6FE}" type="datetime1">
               <a:rPr lang="it-IT" smtClean="0"/>
-              <a:t>09/06/2019</a:t>
+              <a:t>12/06/2019</a:t>
             </a:fld>
             <a:endParaRPr lang="it-IT" dirty="0"/>
           </a:p>
@@ -375,7 +384,7 @@
             <a:pPr rtl="0"/>
             <a:fld id="{B4E85F6F-0FAD-4AD4-850C-7E4CD14D7D70}" type="slidenum">
               <a:rPr lang="it-IT" smtClean="0"/>
-              <a:t>‹#›</a:t>
+              <a:t>‹N›</a:t>
             </a:fld>
             <a:endParaRPr lang="it-IT" dirty="0"/>
           </a:p>
@@ -476,7 +485,7 @@
             <a:fld id="{526AC070-77AE-44FC-B0C8-108B581F9765}" type="datetime1">
               <a:rPr lang="it-IT" noProof="0" smtClean="0"/>
               <a:pPr/>
-              <a:t>09/06/2019</a:t>
+              <a:t>12/06/2019</a:t>
             </a:fld>
             <a:endParaRPr lang="it-IT" noProof="0" dirty="0"/>
           </a:p>
@@ -637,7 +646,7 @@
             <a:pPr rtl="0"/>
             <a:fld id="{BE60DC36-8EFA-4378-9855-E019C55AC472}" type="slidenum">
               <a:rPr lang="it-IT" noProof="0" smtClean="0"/>
-              <a:t>‹#›</a:t>
+              <a:t>‹N›</a:t>
             </a:fld>
             <a:endParaRPr lang="it-IT" noProof="0" dirty="0"/>
           </a:p>
@@ -984,7 +993,7 @@
             <a:pPr rtl="0"/>
             <a:fld id="{73953276-A596-464E-8131-16FDC4642D35}" type="datetime1">
               <a:rPr lang="it-IT" noProof="0" smtClean="0"/>
-              <a:t>09/06/2019</a:t>
+              <a:t>12/06/2019</a:t>
             </a:fld>
             <a:endParaRPr lang="it-IT" noProof="0" dirty="0"/>
           </a:p>
@@ -1040,7 +1049,7 @@
             <a:pPr rtl="0"/>
             <a:fld id="{06FEDF93-2BFD-41CA-ABC7-B039102F3792}" type="slidenum">
               <a:rPr lang="it-IT" noProof="0" smtClean="0"/>
-              <a:t>‹#›</a:t>
+              <a:t>‹N›</a:t>
             </a:fld>
             <a:endParaRPr lang="it-IT" noProof="0" dirty="0"/>
           </a:p>
@@ -1188,7 +1197,7 @@
             <a:pPr rtl="0"/>
             <a:fld id="{59F66E3F-D06F-47DA-A95C-C846DE23F8C0}" type="datetime1">
               <a:rPr lang="it-IT" noProof="0" smtClean="0"/>
-              <a:t>09/06/2019</a:t>
+              <a:t>12/06/2019</a:t>
             </a:fld>
             <a:endParaRPr lang="it-IT" noProof="0" dirty="0"/>
           </a:p>
@@ -1244,7 +1253,7 @@
             <a:pPr rtl="0"/>
             <a:fld id="{06FEDF93-2BFD-41CA-ABC7-B039102F3792}" type="slidenum">
               <a:rPr lang="it-IT" noProof="0" smtClean="0"/>
-              <a:t>‹#›</a:t>
+              <a:t>‹N›</a:t>
             </a:fld>
             <a:endParaRPr lang="it-IT" noProof="0" dirty="0"/>
           </a:p>
@@ -1402,7 +1411,7 @@
             <a:pPr rtl="0"/>
             <a:fld id="{46FE6513-E3C7-4048-AC2F-41B0D1F6D895}" type="datetime1">
               <a:rPr lang="it-IT" noProof="0" smtClean="0"/>
-              <a:t>09/06/2019</a:t>
+              <a:t>12/06/2019</a:t>
             </a:fld>
             <a:endParaRPr lang="it-IT" noProof="0" dirty="0"/>
           </a:p>
@@ -1458,7 +1467,7 @@
             <a:pPr rtl="0"/>
             <a:fld id="{06FEDF93-2BFD-41CA-ABC7-B039102F3792}" type="slidenum">
               <a:rPr lang="it-IT" noProof="0" smtClean="0"/>
-              <a:t>‹#›</a:t>
+              <a:t>‹N›</a:t>
             </a:fld>
             <a:endParaRPr lang="it-IT" noProof="0" dirty="0"/>
           </a:p>
@@ -1606,7 +1615,7 @@
             <a:pPr rtl="0"/>
             <a:fld id="{4CA1E7DF-6F8F-47CE-8C70-53A994FBF180}" type="datetime1">
               <a:rPr lang="it-IT" noProof="0" smtClean="0"/>
-              <a:t>09/06/2019</a:t>
+              <a:t>12/06/2019</a:t>
             </a:fld>
             <a:endParaRPr lang="it-IT" noProof="0" dirty="0"/>
           </a:p>
@@ -1662,7 +1671,7 @@
             <a:pPr rtl="0"/>
             <a:fld id="{06FEDF93-2BFD-41CA-ABC7-B039102F3792}" type="slidenum">
               <a:rPr lang="it-IT" noProof="0" smtClean="0"/>
-              <a:t>‹#›</a:t>
+              <a:t>‹N›</a:t>
             </a:fld>
             <a:endParaRPr lang="it-IT" noProof="0" dirty="0"/>
           </a:p>
@@ -1886,7 +1895,7 @@
             <a:pPr rtl="0"/>
             <a:fld id="{2CFB8710-ABAB-4285-AF31-02779743E1F4}" type="datetime1">
               <a:rPr lang="it-IT" noProof="0" smtClean="0"/>
-              <a:t>09/06/2019</a:t>
+              <a:t>12/06/2019</a:t>
             </a:fld>
             <a:endParaRPr lang="it-IT" noProof="0" dirty="0"/>
           </a:p>
@@ -1942,7 +1951,7 @@
             <a:pPr rtl="0"/>
             <a:fld id="{06FEDF93-2BFD-41CA-ABC7-B039102F3792}" type="slidenum">
               <a:rPr lang="it-IT" noProof="0" smtClean="0"/>
-              <a:t>‹#›</a:t>
+              <a:t>‹N›</a:t>
             </a:fld>
             <a:endParaRPr lang="it-IT" noProof="0" dirty="0"/>
           </a:p>
@@ -2158,7 +2167,7 @@
             <a:pPr rtl="0"/>
             <a:fld id="{FE1FD3F1-0F70-4F3C-841E-3B4B1A9982AD}" type="datetime1">
               <a:rPr lang="it-IT" noProof="0" smtClean="0"/>
-              <a:t>09/06/2019</a:t>
+              <a:t>12/06/2019</a:t>
             </a:fld>
             <a:endParaRPr lang="it-IT" noProof="0" dirty="0"/>
           </a:p>
@@ -2214,7 +2223,7 @@
             <a:pPr rtl="0"/>
             <a:fld id="{06FEDF93-2BFD-41CA-ABC7-B039102F3792}" type="slidenum">
               <a:rPr lang="it-IT" noProof="0" smtClean="0"/>
-              <a:t>‹#›</a:t>
+              <a:t>‹N›</a:t>
             </a:fld>
             <a:endParaRPr lang="it-IT" noProof="0" dirty="0"/>
           </a:p>
@@ -2577,7 +2586,7 @@
             <a:pPr rtl="0"/>
             <a:fld id="{3195CD94-E959-4436-A899-6BFB5CD81E9E}" type="datetime1">
               <a:rPr lang="it-IT" noProof="0" smtClean="0"/>
-              <a:t>09/06/2019</a:t>
+              <a:t>12/06/2019</a:t>
             </a:fld>
             <a:endParaRPr lang="it-IT" noProof="0" dirty="0"/>
           </a:p>
@@ -2633,7 +2642,7 @@
             <a:pPr rtl="0"/>
             <a:fld id="{06FEDF93-2BFD-41CA-ABC7-B039102F3792}" type="slidenum">
               <a:rPr lang="it-IT" noProof="0" smtClean="0"/>
-              <a:t>‹#›</a:t>
+              <a:t>‹N›</a:t>
             </a:fld>
             <a:endParaRPr lang="it-IT" noProof="0" dirty="0"/>
           </a:p>
@@ -2723,7 +2732,7 @@
             <a:pPr rtl="0"/>
             <a:fld id="{327B0C7F-749B-466A-A38A-03B1C8A2F06C}" type="datetime1">
               <a:rPr lang="it-IT" noProof="0" smtClean="0"/>
-              <a:t>09/06/2019</a:t>
+              <a:t>12/06/2019</a:t>
             </a:fld>
             <a:endParaRPr lang="it-IT" noProof="0" dirty="0"/>
           </a:p>
@@ -2779,7 +2788,7 @@
             <a:pPr rtl="0"/>
             <a:fld id="{06FEDF93-2BFD-41CA-ABC7-B039102F3792}" type="slidenum">
               <a:rPr lang="it-IT" noProof="0" smtClean="0"/>
-              <a:t>‹#›</a:t>
+              <a:t>‹N›</a:t>
             </a:fld>
             <a:endParaRPr lang="it-IT" noProof="0" dirty="0"/>
           </a:p>
@@ -2839,7 +2848,7 @@
             <a:pPr rtl="0"/>
             <a:fld id="{DEC309BE-2E90-45F2-A626-98CE1308C9C4}" type="datetime1">
               <a:rPr lang="it-IT" noProof="0" smtClean="0"/>
-              <a:t>09/06/2019</a:t>
+              <a:t>12/06/2019</a:t>
             </a:fld>
             <a:endParaRPr lang="it-IT" noProof="0" dirty="0"/>
           </a:p>
@@ -2895,7 +2904,7 @@
             <a:pPr rtl="0"/>
             <a:fld id="{06FEDF93-2BFD-41CA-ABC7-B039102F3792}" type="slidenum">
               <a:rPr lang="it-IT" noProof="0" smtClean="0"/>
-              <a:t>‹#›</a:t>
+              <a:t>‹N›</a:t>
             </a:fld>
             <a:endParaRPr lang="it-IT" noProof="0" dirty="0"/>
           </a:p>
@@ -3156,7 +3165,7 @@
             <a:pPr rtl="0"/>
             <a:fld id="{D7D791A9-9A19-4C7D-9EDF-F6B9F670B73C}" type="datetime1">
               <a:rPr lang="it-IT" noProof="0" smtClean="0"/>
-              <a:t>09/06/2019</a:t>
+              <a:t>12/06/2019</a:t>
             </a:fld>
             <a:endParaRPr lang="it-IT" noProof="0" dirty="0"/>
           </a:p>
@@ -3212,7 +3221,7 @@
             <a:pPr rtl="0"/>
             <a:fld id="{06FEDF93-2BFD-41CA-ABC7-B039102F3792}" type="slidenum">
               <a:rPr lang="it-IT" noProof="0" smtClean="0"/>
-              <a:t>‹#›</a:t>
+              <a:t>‹N›</a:t>
             </a:fld>
             <a:endParaRPr lang="it-IT" noProof="0" dirty="0"/>
           </a:p>
@@ -3454,7 +3463,7 @@
             <a:pPr rtl="0"/>
             <a:fld id="{1C87147A-BE07-4D89-850F-642EAF1AAEA9}" type="datetime1">
               <a:rPr lang="it-IT" noProof="0" smtClean="0"/>
-              <a:t>09/06/2019</a:t>
+              <a:t>12/06/2019</a:t>
             </a:fld>
             <a:endParaRPr lang="it-IT" noProof="0" dirty="0"/>
           </a:p>
@@ -3510,7 +3519,7 @@
             <a:pPr rtl="0"/>
             <a:fld id="{06FEDF93-2BFD-41CA-ABC7-B039102F3792}" type="slidenum">
               <a:rPr lang="it-IT" noProof="0" smtClean="0"/>
-              <a:t>‹#›</a:t>
+              <a:t>‹N›</a:t>
             </a:fld>
             <a:endParaRPr lang="it-IT" noProof="0" dirty="0"/>
           </a:p>
@@ -3699,7 +3708,7 @@
             <a:pPr rtl="0"/>
             <a:fld id="{750AD8DE-E201-43F1-B9CB-48547493CA6A}" type="datetime1">
               <a:rPr lang="it-IT" noProof="0" smtClean="0"/>
-              <a:t>09/06/2019</a:t>
+              <a:t>12/06/2019</a:t>
             </a:fld>
             <a:endParaRPr lang="it-IT" noProof="0" dirty="0"/>
           </a:p>
@@ -3791,7 +3800,7 @@
             <a:pPr rtl="0"/>
             <a:fld id="{06FEDF93-2BFD-41CA-ABC7-B039102F3792}" type="slidenum">
               <a:rPr lang="it-IT" noProof="0" smtClean="0"/>
-              <a:t>‹#›</a:t>
+              <a:t>‹N›</a:t>
             </a:fld>
             <a:endParaRPr lang="it-IT" noProof="0" dirty="0"/>
           </a:p>
@@ -6421,8 +6430,8 @@
           </a:prstGeom>
         </p:spPr>
       </p:pic>
-      <mc:AlternateContent xmlns:mc="http://schemas.openxmlformats.org/markup-compatibility/2006" xmlns:a14="http://schemas.microsoft.com/office/drawing/2010/main">
-        <mc:Choice Requires="a14">
+      <mc:AlternateContent xmlns:mc="http://schemas.openxmlformats.org/markup-compatibility/2006">
+        <mc:Choice xmlns:a14="http://schemas.microsoft.com/office/drawing/2010/main" Requires="a14">
           <p:sp>
             <p:nvSpPr>
               <p:cNvPr id="24" name="Rettangolo 23">
@@ -6437,8 +6446,8 @@
             </p:nvSpPr>
             <p:spPr>
               <a:xfrm>
-                <a:off x="6477002" y="2602984"/>
-                <a:ext cx="2244988" cy="830997"/>
+                <a:off x="6407730" y="2579893"/>
+                <a:ext cx="2244988" cy="862608"/>
               </a:xfrm>
               <a:prstGeom prst="rect">
                 <a:avLst/>
@@ -6478,31 +6487,12 @@
                         </a:rPr>
                         <m:t>(|</m:t>
                       </m:r>
-                      <m:sSup>
-                        <m:sSupPr>
-                          <m:ctrlPr>
-                            <a:rPr lang="it-IT" sz="2400" i="1">
-                              <a:latin typeface="Cambria Math" panose="02040503050406030204" pitchFamily="18" charset="0"/>
-                            </a:rPr>
-                          </m:ctrlPr>
-                        </m:sSupPr>
-                        <m:e>
-                          <m:r>
-                            <a:rPr lang="it-IT" sz="2400" i="1">
-                              <a:latin typeface="Cambria Math" panose="02040503050406030204" pitchFamily="18" charset="0"/>
-                            </a:rPr>
-                            <m:t>𝑁</m:t>
-                          </m:r>
-                        </m:e>
-                        <m:sup>
-                          <m:r>
-                            <a:rPr lang="it-IT" sz="2400" i="1">
-                              <a:latin typeface="Cambria Math" panose="02040503050406030204" pitchFamily="18" charset="0"/>
-                            </a:rPr>
-                            <m:t>2</m:t>
-                          </m:r>
-                        </m:sup>
-                      </m:sSup>
+                      <m:r>
+                        <a:rPr lang="it-IT" sz="2400" b="0" i="1" smtClean="0">
+                          <a:latin typeface="Cambria Math" panose="02040503050406030204" pitchFamily="18" charset="0"/>
+                        </a:rPr>
+                        <m:t>𝑁</m:t>
+                      </m:r>
                       <m:r>
                         <a:rPr lang="it-IT" sz="2400" i="1">
                           <a:latin typeface="Cambria Math" panose="02040503050406030204" pitchFamily="18" charset="0"/>
@@ -6517,7 +6507,7 @@
             </p:txBody>
           </p:sp>
         </mc:Choice>
-        <mc:Fallback xmlns="">
+        <mc:Fallback>
           <p:sp>
             <p:nvSpPr>
               <p:cNvPr id="24" name="Rettangolo 23">
@@ -6534,8 +6524,8 @@
             </p:nvSpPr>
             <p:spPr>
               <a:xfrm>
-                <a:off x="6477002" y="2602984"/>
-                <a:ext cx="2244988" cy="830997"/>
+                <a:off x="6407730" y="2579893"/>
+                <a:ext cx="2244988" cy="862608"/>
               </a:xfrm>
               <a:prstGeom prst="rect">
                 <a:avLst/>
@@ -6543,7 +6533,7 @@
               <a:blipFill>
                 <a:blip r:embed="rId7"/>
                 <a:stretch>
-                  <a:fillRect t="-5882" b="-11029"/>
+                  <a:fillRect t="-5634" b="-6338"/>
                 </a:stretch>
               </a:blipFill>
             </p:spPr>
@@ -15003,7 +14993,7 @@
           <a:graphicData uri="http://schemas.openxmlformats.org/presentationml/2006/ole">
             <mc:AlternateContent xmlns:mc="http://schemas.openxmlformats.org/markup-compatibility/2006">
               <mc:Choice xmlns:v="urn:schemas-microsoft-com:vml" Requires="v">
-                <p:oleObj spid="_x0000_s1100" name="Worksheet" r:id="rId3" imgW="8953268" imgH="4143404" progId="Excel.Sheet.12">
+                <p:oleObj spid="_x0000_s1026" name="Worksheet" r:id="rId3" imgW="8953268" imgH="4143404" progId="Excel.Sheet.12">
                   <p:embed/>
                 </p:oleObj>
               </mc:Choice>
